--- a/Presentation.pptx
+++ b/Presentation.pptx
@@ -6,6 +6,14 @@
   </p:sldMasterIdLst>
   <p:sldIdLst>
     <p:sldId id="256" r:id="rId2"/>
+    <p:sldId id="271" r:id="rId3"/>
+    <p:sldId id="270" r:id="rId4"/>
+    <p:sldId id="269" r:id="rId5"/>
+    <p:sldId id="268" r:id="rId6"/>
+    <p:sldId id="258" r:id="rId7"/>
+    <p:sldId id="272" r:id="rId8"/>
+    <p:sldId id="273" r:id="rId9"/>
+    <p:sldId id="263" r:id="rId10"/>
   </p:sldIdLst>
   <p:sldSz cx="12192000" cy="6858000"/>
   <p:notesSz cx="6858000" cy="9144000"/>
@@ -104,6 +112,11 @@
       </a:defRPr>
     </a:lvl9pPr>
   </p:defaultTextStyle>
+  <p:extLst>
+    <p:ext uri="{EFAFB233-063F-42B5-8137-9DF3F51BA10A}">
+      <p15:sldGuideLst xmlns:p15="http://schemas.microsoft.com/office/powerpoint/2012/main"/>
+    </p:ext>
+  </p:extLst>
 </p:presentation>
 </file>
 
@@ -254,7 +267,7 @@
           <a:p>
             <a:fld id="{BFC289D0-3F0A-44B7-A3B2-96B1261327B7}" type="datetimeFigureOut">
               <a:rPr lang="en-US" smtClean="0"/>
-              <a:t>10/16/2018</a:t>
+              <a:t>10/18/2018</a:t>
             </a:fld>
             <a:endParaRPr lang="en-US"/>
           </a:p>
@@ -452,7 +465,7 @@
           <a:p>
             <a:fld id="{BFC289D0-3F0A-44B7-A3B2-96B1261327B7}" type="datetimeFigureOut">
               <a:rPr lang="en-US" smtClean="0"/>
-              <a:t>10/16/2018</a:t>
+              <a:t>10/18/2018</a:t>
             </a:fld>
             <a:endParaRPr lang="en-US"/>
           </a:p>
@@ -660,7 +673,7 @@
           <a:p>
             <a:fld id="{BFC289D0-3F0A-44B7-A3B2-96B1261327B7}" type="datetimeFigureOut">
               <a:rPr lang="en-US" smtClean="0"/>
-              <a:t>10/16/2018</a:t>
+              <a:t>10/18/2018</a:t>
             </a:fld>
             <a:endParaRPr lang="en-US"/>
           </a:p>
@@ -858,7 +871,7 @@
           <a:p>
             <a:fld id="{BFC289D0-3F0A-44B7-A3B2-96B1261327B7}" type="datetimeFigureOut">
               <a:rPr lang="en-US" smtClean="0"/>
-              <a:t>10/16/2018</a:t>
+              <a:t>10/18/2018</a:t>
             </a:fld>
             <a:endParaRPr lang="en-US"/>
           </a:p>
@@ -1133,7 +1146,7 @@
           <a:p>
             <a:fld id="{BFC289D0-3F0A-44B7-A3B2-96B1261327B7}" type="datetimeFigureOut">
               <a:rPr lang="en-US" smtClean="0"/>
-              <a:t>10/16/2018</a:t>
+              <a:t>10/18/2018</a:t>
             </a:fld>
             <a:endParaRPr lang="en-US"/>
           </a:p>
@@ -1398,7 +1411,7 @@
           <a:p>
             <a:fld id="{BFC289D0-3F0A-44B7-A3B2-96B1261327B7}" type="datetimeFigureOut">
               <a:rPr lang="en-US" smtClean="0"/>
-              <a:t>10/16/2018</a:t>
+              <a:t>10/18/2018</a:t>
             </a:fld>
             <a:endParaRPr lang="en-US"/>
           </a:p>
@@ -1810,7 +1823,7 @@
           <a:p>
             <a:fld id="{BFC289D0-3F0A-44B7-A3B2-96B1261327B7}" type="datetimeFigureOut">
               <a:rPr lang="en-US" smtClean="0"/>
-              <a:t>10/16/2018</a:t>
+              <a:t>10/18/2018</a:t>
             </a:fld>
             <a:endParaRPr lang="en-US"/>
           </a:p>
@@ -1951,7 +1964,7 @@
           <a:p>
             <a:fld id="{BFC289D0-3F0A-44B7-A3B2-96B1261327B7}" type="datetimeFigureOut">
               <a:rPr lang="en-US" smtClean="0"/>
-              <a:t>10/16/2018</a:t>
+              <a:t>10/18/2018</a:t>
             </a:fld>
             <a:endParaRPr lang="en-US"/>
           </a:p>
@@ -2064,7 +2077,7 @@
           <a:p>
             <a:fld id="{BFC289D0-3F0A-44B7-A3B2-96B1261327B7}" type="datetimeFigureOut">
               <a:rPr lang="en-US" smtClean="0"/>
-              <a:t>10/16/2018</a:t>
+              <a:t>10/18/2018</a:t>
             </a:fld>
             <a:endParaRPr lang="en-US"/>
           </a:p>
@@ -2375,7 +2388,7 @@
           <a:p>
             <a:fld id="{BFC289D0-3F0A-44B7-A3B2-96B1261327B7}" type="datetimeFigureOut">
               <a:rPr lang="en-US" smtClean="0"/>
-              <a:t>10/16/2018</a:t>
+              <a:t>10/18/2018</a:t>
             </a:fld>
             <a:endParaRPr lang="en-US"/>
           </a:p>
@@ -2663,7 +2676,7 @@
           <a:p>
             <a:fld id="{BFC289D0-3F0A-44B7-A3B2-96B1261327B7}" type="datetimeFigureOut">
               <a:rPr lang="en-US" smtClean="0"/>
-              <a:t>10/16/2018</a:t>
+              <a:t>10/18/2018</a:t>
             </a:fld>
             <a:endParaRPr lang="en-US"/>
           </a:p>
@@ -2904,7 +2917,7 @@
           <a:p>
             <a:fld id="{BFC289D0-3F0A-44B7-A3B2-96B1261327B7}" type="datetimeFigureOut">
               <a:rPr lang="en-US" smtClean="0"/>
-              <a:t>10/16/2018</a:t>
+              <a:t>10/18/2018</a:t>
             </a:fld>
             <a:endParaRPr lang="en-US"/>
           </a:p>
@@ -3307,6 +3320,16 @@
 <file path=ppt/slides/slide1.xml><?xml version="1.0" encoding="utf-8"?>
 <p:sld xmlns:a="http://schemas.openxmlformats.org/drawingml/2006/main" xmlns:r="http://schemas.openxmlformats.org/officeDocument/2006/relationships" xmlns:p="http://schemas.openxmlformats.org/presentationml/2006/main">
   <p:cSld>
+    <p:bg>
+      <p:bgPr>
+        <a:solidFill>
+          <a:schemeClr val="accent3">
+            <a:lumMod val="75000"/>
+          </a:schemeClr>
+        </a:solidFill>
+        <a:effectLst/>
+      </p:bgPr>
+    </p:bg>
     <p:spTree>
       <p:nvGrpSpPr>
         <p:cNvPr id="1" name=""/>
@@ -3323,6 +3346,370 @@
       </p:grpSpPr>
       <p:sp>
         <p:nvSpPr>
+          <p:cNvPr id="15" name="Rectangle 14">
+            <a:extLst>
+              <a:ext uri="{FF2B5EF4-FFF2-40B4-BE49-F238E27FC236}">
+                <a16:creationId xmlns:a16="http://schemas.microsoft.com/office/drawing/2014/main" id="{23207CC6-EAA1-4BFF-A48A-DECAD8972717}"/>
+              </a:ext>
+              <a:ext uri="{C183D7F6-B498-43B3-948B-1728B52AA6E4}">
+                <adec:decorative xmlns:adec="http://schemas.microsoft.com/office/drawing/2017/decorative" val="1"/>
+              </a:ext>
+            </a:extLst>
+          </p:cNvPr>
+          <p:cNvSpPr>
+            <a:spLocks noGrp="1" noRot="1" noChangeAspect="1" noMove="1" noResize="1" noEditPoints="1" noAdjustHandles="1" noChangeArrowheads="1" noChangeShapeType="1" noTextEdit="1"/>
+          </p:cNvSpPr>
+          <p:nvPr>
+            <p:extLst>
+              <p:ext uri="{386F3935-93C4-4BCD-93E2-E3B085C9AB24}">
+                <p16:designElem xmlns:p16="http://schemas.microsoft.com/office/powerpoint/2015/main" val="1"/>
+              </p:ext>
+            </p:extLst>
+          </p:nvPr>
+        </p:nvSpPr>
+        <p:spPr>
+          <a:xfrm>
+            <a:off x="0" y="-3324"/>
+            <a:ext cx="12192000" cy="6861324"/>
+          </a:xfrm>
+          <a:prstGeom prst="rect">
+            <a:avLst/>
+          </a:prstGeom>
+          <a:solidFill>
+            <a:schemeClr val="accent3">
+              <a:lumMod val="75000"/>
+            </a:schemeClr>
+          </a:solidFill>
+          <a:ln>
+            <a:noFill/>
+          </a:ln>
+        </p:spPr>
+        <p:style>
+          <a:lnRef idx="2">
+            <a:schemeClr val="accent1">
+              <a:shade val="50000"/>
+            </a:schemeClr>
+          </a:lnRef>
+          <a:fillRef idx="1">
+            <a:schemeClr val="accent1"/>
+          </a:fillRef>
+          <a:effectRef idx="0">
+            <a:schemeClr val="accent1"/>
+          </a:effectRef>
+          <a:fontRef idx="minor">
+            <a:schemeClr val="lt1"/>
+          </a:fontRef>
+        </p:style>
+        <p:txBody>
+          <a:bodyPr rtlCol="0" anchor="ctr"/>
+          <a:lstStyle/>
+          <a:p>
+            <a:pPr algn="ctr"/>
+            <a:endParaRPr lang="en-US"/>
+          </a:p>
+        </p:txBody>
+      </p:sp>
+      <p:sp>
+        <p:nvSpPr>
+          <p:cNvPr id="17" name="Freeform 3">
+            <a:extLst>
+              <a:ext uri="{FF2B5EF4-FFF2-40B4-BE49-F238E27FC236}">
+                <a16:creationId xmlns:a16="http://schemas.microsoft.com/office/drawing/2014/main" id="{B234A3DD-923D-4166-8B19-7DD589908C68}"/>
+              </a:ext>
+              <a:ext uri="{C183D7F6-B498-43B3-948B-1728B52AA6E4}">
+                <adec:decorative xmlns:adec="http://schemas.microsoft.com/office/drawing/2017/decorative" val="1"/>
+              </a:ext>
+            </a:extLst>
+          </p:cNvPr>
+          <p:cNvSpPr>
+            <a:spLocks noGrp="1" noRot="1" noChangeAspect="1" noMove="1" noResize="1" noEditPoints="1" noAdjustHandles="1" noChangeArrowheads="1" noChangeShapeType="1" noTextEdit="1"/>
+          </p:cNvSpPr>
+          <p:nvPr>
+            <p:extLst>
+              <p:ext uri="{386F3935-93C4-4BCD-93E2-E3B085C9AB24}">
+                <p16:designElem xmlns:p16="http://schemas.microsoft.com/office/powerpoint/2015/main" val="1"/>
+              </p:ext>
+            </p:extLst>
+          </p:nvPr>
+        </p:nvSpPr>
+        <p:spPr>
+          <a:xfrm>
+            <a:off x="1246925" y="-479"/>
+            <a:ext cx="9468701" cy="6858478"/>
+          </a:xfrm>
+          <a:custGeom>
+            <a:avLst/>
+            <a:gdLst>
+              <a:gd name="connsiteX0" fmla="*/ 0 w 8078051"/>
+              <a:gd name="connsiteY0" fmla="*/ 0 h 5829300"/>
+              <a:gd name="connsiteX1" fmla="*/ 4453793 w 8078051"/>
+              <a:gd name="connsiteY1" fmla="*/ 0 h 5829300"/>
+              <a:gd name="connsiteX2" fmla="*/ 5363426 w 8078051"/>
+              <a:gd name="connsiteY2" fmla="*/ 0 h 5829300"/>
+              <a:gd name="connsiteX3" fmla="*/ 5368184 w 8078051"/>
+              <a:gd name="connsiteY3" fmla="*/ 0 h 5829300"/>
+              <a:gd name="connsiteX4" fmla="*/ 8078051 w 8078051"/>
+              <a:gd name="connsiteY4" fmla="*/ 5829300 h 5829300"/>
+              <a:gd name="connsiteX5" fmla="*/ 1743926 w 8078051"/>
+              <a:gd name="connsiteY5" fmla="*/ 5829300 h 5829300"/>
+              <a:gd name="connsiteX6" fmla="*/ 1744148 w 8078051"/>
+              <a:gd name="connsiteY6" fmla="*/ 5828822 h 5829300"/>
+              <a:gd name="connsiteX7" fmla="*/ 0 w 8078051"/>
+              <a:gd name="connsiteY7" fmla="*/ 5828822 h 5829300"/>
+            </a:gdLst>
+            <a:ahLst/>
+            <a:cxnLst>
+              <a:cxn ang="0">
+                <a:pos x="connsiteX0" y="connsiteY0"/>
+              </a:cxn>
+              <a:cxn ang="0">
+                <a:pos x="connsiteX1" y="connsiteY1"/>
+              </a:cxn>
+              <a:cxn ang="0">
+                <a:pos x="connsiteX2" y="connsiteY2"/>
+              </a:cxn>
+              <a:cxn ang="0">
+                <a:pos x="connsiteX3" y="connsiteY3"/>
+              </a:cxn>
+              <a:cxn ang="0">
+                <a:pos x="connsiteX4" y="connsiteY4"/>
+              </a:cxn>
+              <a:cxn ang="0">
+                <a:pos x="connsiteX5" y="connsiteY5"/>
+              </a:cxn>
+              <a:cxn ang="0">
+                <a:pos x="connsiteX6" y="connsiteY6"/>
+              </a:cxn>
+              <a:cxn ang="0">
+                <a:pos x="connsiteX7" y="connsiteY7"/>
+              </a:cxn>
+            </a:cxnLst>
+            <a:rect l="l" t="t" r="r" b="b"/>
+            <a:pathLst>
+              <a:path w="8078051" h="5829300">
+                <a:moveTo>
+                  <a:pt x="0" y="0"/>
+                </a:moveTo>
+                <a:lnTo>
+                  <a:pt x="4453793" y="0"/>
+                </a:lnTo>
+                <a:lnTo>
+                  <a:pt x="5363426" y="0"/>
+                </a:lnTo>
+                <a:lnTo>
+                  <a:pt x="5368184" y="0"/>
+                </a:lnTo>
+                <a:lnTo>
+                  <a:pt x="8078051" y="5829300"/>
+                </a:lnTo>
+                <a:lnTo>
+                  <a:pt x="1743926" y="5829300"/>
+                </a:lnTo>
+                <a:lnTo>
+                  <a:pt x="1744148" y="5828822"/>
+                </a:lnTo>
+                <a:lnTo>
+                  <a:pt x="0" y="5828822"/>
+                </a:lnTo>
+                <a:close/>
+              </a:path>
+            </a:pathLst>
+          </a:custGeom>
+          <a:solidFill>
+            <a:schemeClr val="bg1">
+              <a:lumMod val="85000"/>
+              <a:lumOff val="15000"/>
+              <a:alpha val="70000"/>
+            </a:schemeClr>
+          </a:solidFill>
+          <a:ln>
+            <a:noFill/>
+          </a:ln>
+        </p:spPr>
+        <p:style>
+          <a:lnRef idx="2">
+            <a:schemeClr val="accent1">
+              <a:shade val="50000"/>
+            </a:schemeClr>
+          </a:lnRef>
+          <a:fillRef idx="1">
+            <a:schemeClr val="accent1"/>
+          </a:fillRef>
+          <a:effectRef idx="0">
+            <a:schemeClr val="accent1"/>
+          </a:effectRef>
+          <a:fontRef idx="minor">
+            <a:schemeClr val="lt1"/>
+          </a:fontRef>
+        </p:style>
+        <p:txBody>
+          <a:bodyPr rtlCol="0" anchor="ctr"/>
+          <a:lstStyle/>
+          <a:p>
+            <a:pPr algn="ctr"/>
+            <a:endParaRPr lang="en-US"/>
+          </a:p>
+        </p:txBody>
+      </p:sp>
+      <p:sp>
+        <p:nvSpPr>
+          <p:cNvPr id="19" name="Freeform 16">
+            <a:extLst>
+              <a:ext uri="{FF2B5EF4-FFF2-40B4-BE49-F238E27FC236}">
+                <a16:creationId xmlns:a16="http://schemas.microsoft.com/office/drawing/2014/main" id="{F6ACA5AC-3C5D-4994-B40F-FC8349E4D6F4}"/>
+              </a:ext>
+              <a:ext uri="{C183D7F6-B498-43B3-948B-1728B52AA6E4}">
+                <adec:decorative xmlns:adec="http://schemas.microsoft.com/office/drawing/2017/decorative" val="1"/>
+              </a:ext>
+            </a:extLst>
+          </p:cNvPr>
+          <p:cNvSpPr>
+            <a:spLocks noGrp="1" noRot="1" noChangeAspect="1" noMove="1" noResize="1" noEditPoints="1" noAdjustHandles="1" noChangeArrowheads="1" noChangeShapeType="1" noTextEdit="1"/>
+          </p:cNvSpPr>
+          <p:nvPr>
+            <p:extLst>
+              <p:ext uri="{386F3935-93C4-4BCD-93E2-E3B085C9AB24}">
+                <p16:designElem xmlns:p16="http://schemas.microsoft.com/office/powerpoint/2015/main" val="1"/>
+              </p:ext>
+            </p:extLst>
+          </p:nvPr>
+        </p:nvSpPr>
+        <p:spPr>
+          <a:xfrm>
+            <a:off x="-1" y="-479"/>
+            <a:ext cx="9324977" cy="6858479"/>
+          </a:xfrm>
+          <a:custGeom>
+            <a:avLst/>
+            <a:gdLst>
+              <a:gd name="connsiteX0" fmla="*/ 1246925 w 9324977"/>
+              <a:gd name="connsiteY0" fmla="*/ 0 h 6858479"/>
+              <a:gd name="connsiteX1" fmla="*/ 5076797 w 9324977"/>
+              <a:gd name="connsiteY1" fmla="*/ 0 h 6858479"/>
+              <a:gd name="connsiteX2" fmla="*/ 6143025 w 9324977"/>
+              <a:gd name="connsiteY2" fmla="*/ 0 h 6858479"/>
+              <a:gd name="connsiteX3" fmla="*/ 6148602 w 9324977"/>
+              <a:gd name="connsiteY3" fmla="*/ 0 h 6858479"/>
+              <a:gd name="connsiteX4" fmla="*/ 9324977 w 9324977"/>
+              <a:gd name="connsiteY4" fmla="*/ 6858478 h 6858479"/>
+              <a:gd name="connsiteX5" fmla="*/ 3359025 w 9324977"/>
+              <a:gd name="connsiteY5" fmla="*/ 6858478 h 6858479"/>
+              <a:gd name="connsiteX6" fmla="*/ 3359025 w 9324977"/>
+              <a:gd name="connsiteY6" fmla="*/ 6858479 h 6858479"/>
+              <a:gd name="connsiteX7" fmla="*/ 0 w 9324977"/>
+              <a:gd name="connsiteY7" fmla="*/ 6858479 h 6858479"/>
+              <a:gd name="connsiteX8" fmla="*/ 0 w 9324977"/>
+              <a:gd name="connsiteY8" fmla="*/ 479 h 6858479"/>
+              <a:gd name="connsiteX9" fmla="*/ 1246925 w 9324977"/>
+              <a:gd name="connsiteY9" fmla="*/ 479 h 6858479"/>
+            </a:gdLst>
+            <a:ahLst/>
+            <a:cxnLst>
+              <a:cxn ang="0">
+                <a:pos x="connsiteX0" y="connsiteY0"/>
+              </a:cxn>
+              <a:cxn ang="0">
+                <a:pos x="connsiteX1" y="connsiteY1"/>
+              </a:cxn>
+              <a:cxn ang="0">
+                <a:pos x="connsiteX2" y="connsiteY2"/>
+              </a:cxn>
+              <a:cxn ang="0">
+                <a:pos x="connsiteX3" y="connsiteY3"/>
+              </a:cxn>
+              <a:cxn ang="0">
+                <a:pos x="connsiteX4" y="connsiteY4"/>
+              </a:cxn>
+              <a:cxn ang="0">
+                <a:pos x="connsiteX5" y="connsiteY5"/>
+              </a:cxn>
+              <a:cxn ang="0">
+                <a:pos x="connsiteX6" y="connsiteY6"/>
+              </a:cxn>
+              <a:cxn ang="0">
+                <a:pos x="connsiteX7" y="connsiteY7"/>
+              </a:cxn>
+              <a:cxn ang="0">
+                <a:pos x="connsiteX8" y="connsiteY8"/>
+              </a:cxn>
+              <a:cxn ang="0">
+                <a:pos x="connsiteX9" y="connsiteY9"/>
+              </a:cxn>
+            </a:cxnLst>
+            <a:rect l="l" t="t" r="r" b="b"/>
+            <a:pathLst>
+              <a:path w="9324977" h="6858479">
+                <a:moveTo>
+                  <a:pt x="1246925" y="0"/>
+                </a:moveTo>
+                <a:lnTo>
+                  <a:pt x="5076797" y="0"/>
+                </a:lnTo>
+                <a:lnTo>
+                  <a:pt x="6143025" y="0"/>
+                </a:lnTo>
+                <a:lnTo>
+                  <a:pt x="6148602" y="0"/>
+                </a:lnTo>
+                <a:lnTo>
+                  <a:pt x="9324977" y="6858478"/>
+                </a:lnTo>
+                <a:lnTo>
+                  <a:pt x="3359025" y="6858478"/>
+                </a:lnTo>
+                <a:lnTo>
+                  <a:pt x="3359025" y="6858479"/>
+                </a:lnTo>
+                <a:lnTo>
+                  <a:pt x="0" y="6858479"/>
+                </a:lnTo>
+                <a:lnTo>
+                  <a:pt x="0" y="479"/>
+                </a:lnTo>
+                <a:lnTo>
+                  <a:pt x="1246925" y="479"/>
+                </a:lnTo>
+                <a:close/>
+              </a:path>
+            </a:pathLst>
+          </a:custGeom>
+          <a:solidFill>
+            <a:schemeClr val="bg1">
+              <a:lumMod val="85000"/>
+              <a:lumOff val="15000"/>
+            </a:schemeClr>
+          </a:solidFill>
+          <a:ln>
+            <a:noFill/>
+          </a:ln>
+        </p:spPr>
+        <p:style>
+          <a:lnRef idx="2">
+            <a:schemeClr val="accent1">
+              <a:shade val="50000"/>
+            </a:schemeClr>
+          </a:lnRef>
+          <a:fillRef idx="1">
+            <a:schemeClr val="accent1"/>
+          </a:fillRef>
+          <a:effectRef idx="0">
+            <a:schemeClr val="accent1"/>
+          </a:effectRef>
+          <a:fontRef idx="minor">
+            <a:schemeClr val="lt1"/>
+          </a:fontRef>
+        </p:style>
+        <p:txBody>
+          <a:bodyPr rtlCol="0" anchor="ctr"/>
+          <a:lstStyle/>
+          <a:p>
+            <a:pPr algn="ctr"/>
+            <a:endParaRPr lang="en-US"/>
+          </a:p>
+        </p:txBody>
+      </p:sp>
+      <p:sp>
+        <p:nvSpPr>
           <p:cNvPr id="2" name="Title 1">
             <a:extLst>
               <a:ext uri="{FF2B5EF4-FFF2-40B4-BE49-F238E27FC236}">
@@ -3337,13 +3724,21 @@
             <p:ph type="ctrTitle"/>
           </p:nvPr>
         </p:nvSpPr>
-        <p:spPr/>
-        <p:txBody>
-          <a:bodyPr/>
-          <a:lstStyle/>
-          <a:p>
-            <a:r>
-              <a:rPr lang="en-US" dirty="0"/>
+        <p:spPr>
+          <a:xfrm>
+            <a:off x="804671" y="2600324"/>
+            <a:ext cx="6405753" cy="3277961"/>
+          </a:xfrm>
+        </p:spPr>
+        <p:txBody>
+          <a:bodyPr anchor="t">
+            <a:normAutofit/>
+          </a:bodyPr>
+          <a:lstStyle/>
+          <a:p>
+            <a:pPr algn="l"/>
+            <a:r>
+              <a:rPr lang="en-US" sz="5400"/>
               <a:t>Group One</a:t>
             </a:r>
           </a:p>
@@ -3365,12 +3760,37 @@
             <p:ph type="subTitle" idx="1"/>
           </p:nvPr>
         </p:nvSpPr>
-        <p:spPr/>
-        <p:txBody>
-          <a:bodyPr/>
-          <a:lstStyle/>
-          <a:p>
-            <a:endParaRPr lang="en-US"/>
+        <p:spPr>
+          <a:xfrm>
+            <a:off x="804672" y="1300450"/>
+            <a:ext cx="4167376" cy="1155525"/>
+          </a:xfrm>
+        </p:spPr>
+        <p:txBody>
+          <a:bodyPr anchor="b">
+            <a:normAutofit/>
+          </a:bodyPr>
+          <a:lstStyle/>
+          <a:p>
+            <a:pPr algn="l"/>
+            <a:r>
+              <a:rPr lang="en-US" sz="1900"/>
+              <a:t>Saeed AlSarhi</a:t>
+            </a:r>
+          </a:p>
+          <a:p>
+            <a:pPr algn="l"/>
+            <a:r>
+              <a:rPr lang="en-US" sz="1900"/>
+              <a:t>Alberto Clara</a:t>
+            </a:r>
+          </a:p>
+          <a:p>
+            <a:pPr algn="l"/>
+            <a:r>
+              <a:rPr lang="en-US" sz="1900"/>
+              <a:t>Patrick Wellington</a:t>
+            </a:r>
           </a:p>
         </p:txBody>
       </p:sp>
@@ -3382,7 +3802,2397 @@
     </p:extLst>
   </p:cSld>
   <p:clrMapOvr>
+    <a:overrideClrMapping bg1="dk1" tx1="lt1" bg2="dk2" tx2="lt2" accent1="accent1" accent2="accent2" accent3="accent3" accent4="accent4" accent5="accent5" accent6="accent6" hlink="hlink" folHlink="folHlink"/>
+  </p:clrMapOvr>
+</p:sld>
+</file>
+
+<file path=ppt/slides/slide2.xml><?xml version="1.0" encoding="utf-8"?>
+<p:sld xmlns:a="http://schemas.openxmlformats.org/drawingml/2006/main" xmlns:r="http://schemas.openxmlformats.org/officeDocument/2006/relationships" xmlns:p="http://schemas.openxmlformats.org/presentationml/2006/main">
+  <p:cSld>
+    <p:bg>
+      <p:bgPr>
+        <a:solidFill>
+          <a:schemeClr val="bg1"/>
+        </a:solidFill>
+        <a:effectLst/>
+      </p:bgPr>
+    </p:bg>
+    <p:spTree>
+      <p:nvGrpSpPr>
+        <p:cNvPr id="1" name=""/>
+        <p:cNvGrpSpPr/>
+        <p:nvPr/>
+      </p:nvGrpSpPr>
+      <p:grpSpPr>
+        <a:xfrm>
+          <a:off x="0" y="0"/>
+          <a:ext cx="0" cy="0"/>
+          <a:chOff x="0" y="0"/>
+          <a:chExt cx="0" cy="0"/>
+        </a:xfrm>
+      </p:grpSpPr>
+      <p:sp>
+        <p:nvSpPr>
+          <p:cNvPr id="9" name="Rectangle 8">
+            <a:extLst>
+              <a:ext uri="{FF2B5EF4-FFF2-40B4-BE49-F238E27FC236}">
+                <a16:creationId xmlns:a16="http://schemas.microsoft.com/office/drawing/2014/main" id="{823AC064-BC96-4F32-8AE1-B2FD38754823}"/>
+              </a:ext>
+              <a:ext uri="{C183D7F6-B498-43B3-948B-1728B52AA6E4}">
+                <adec:decorative xmlns:adec="http://schemas.microsoft.com/office/drawing/2017/decorative" val="1"/>
+              </a:ext>
+            </a:extLst>
+          </p:cNvPr>
+          <p:cNvSpPr>
+            <a:spLocks noGrp="1" noRot="1" noChangeAspect="1" noMove="1" noResize="1" noEditPoints="1" noAdjustHandles="1" noChangeArrowheads="1" noChangeShapeType="1" noTextEdit="1"/>
+          </p:cNvSpPr>
+          <p:nvPr>
+            <p:extLst>
+              <p:ext uri="{386F3935-93C4-4BCD-93E2-E3B085C9AB24}">
+                <p16:designElem xmlns:p16="http://schemas.microsoft.com/office/powerpoint/2015/main" val="1"/>
+              </p:ext>
+            </p:extLst>
+          </p:nvPr>
+        </p:nvSpPr>
+        <p:spPr bwMode="ltGray">
+          <a:xfrm>
+            <a:off x="378068" y="343486"/>
+            <a:ext cx="11438793" cy="1844256"/>
+          </a:xfrm>
+          <a:prstGeom prst="rect">
+            <a:avLst/>
+          </a:prstGeom>
+          <a:solidFill>
+            <a:srgbClr val="404040"/>
+          </a:solidFill>
+          <a:ln w="127000" cap="sq" cmpd="thinThick">
+            <a:solidFill>
+              <a:srgbClr val="404040"/>
+            </a:solidFill>
+          </a:ln>
+        </p:spPr>
+        <p:style>
+          <a:lnRef idx="2">
+            <a:schemeClr val="accent1">
+              <a:shade val="50000"/>
+            </a:schemeClr>
+          </a:lnRef>
+          <a:fillRef idx="1">
+            <a:schemeClr val="accent1"/>
+          </a:fillRef>
+          <a:effectRef idx="0">
+            <a:schemeClr val="accent1"/>
+          </a:effectRef>
+          <a:fontRef idx="minor">
+            <a:schemeClr val="lt1"/>
+          </a:fontRef>
+        </p:style>
+        <p:txBody>
+          <a:bodyPr rtlCol="0" anchor="ctr"/>
+          <a:lstStyle/>
+          <a:p>
+            <a:pPr marL="0" marR="0" lvl="0" indent="0" algn="ctr" defTabSz="914400" rtl="0" eaLnBrk="1" fontAlgn="auto" latinLnBrk="0" hangingPunct="1">
+              <a:lnSpc>
+                <a:spcPct val="100000"/>
+              </a:lnSpc>
+              <a:spcBef>
+                <a:spcPts val="0"/>
+              </a:spcBef>
+              <a:spcAft>
+                <a:spcPts val="0"/>
+              </a:spcAft>
+              <a:buClrTx/>
+              <a:buSzTx/>
+              <a:buFontTx/>
+              <a:buNone/>
+              <a:tabLst/>
+              <a:defRPr/>
+            </a:pPr>
+            <a:endParaRPr kumimoji="0" lang="en-US" sz="1800" b="0" i="0" u="none" strike="noStrike" kern="1200" cap="none" spc="0" normalizeH="0" baseline="0" noProof="0">
+              <a:ln>
+                <a:noFill/>
+              </a:ln>
+              <a:solidFill>
+                <a:prstClr val="white"/>
+              </a:solidFill>
+              <a:effectLst/>
+              <a:uLnTx/>
+              <a:uFillTx/>
+              <a:latin typeface="Calibri" panose="020F0502020204030204"/>
+              <a:ea typeface="+mn-ea"/>
+              <a:cs typeface="+mn-cs"/>
+            </a:endParaRPr>
+          </a:p>
+        </p:txBody>
+      </p:sp>
+      <p:sp>
+        <p:nvSpPr>
+          <p:cNvPr id="2" name="Title 1">
+            <a:extLst>
+              <a:ext uri="{FF2B5EF4-FFF2-40B4-BE49-F238E27FC236}">
+                <a16:creationId xmlns:a16="http://schemas.microsoft.com/office/drawing/2014/main" id="{BBE06892-869F-4104-A0C2-10BE1A162F80}"/>
+              </a:ext>
+            </a:extLst>
+          </p:cNvPr>
+          <p:cNvSpPr>
+            <a:spLocks noGrp="1"/>
+          </p:cNvSpPr>
+          <p:nvPr>
+            <p:ph type="title"/>
+          </p:nvPr>
+        </p:nvSpPr>
+        <p:spPr>
+          <a:xfrm>
+            <a:off x="526073" y="466578"/>
+            <a:ext cx="11139854" cy="930447"/>
+          </a:xfrm>
+        </p:spPr>
+        <p:txBody>
+          <a:bodyPr vert="horz" lIns="91440" tIns="45720" rIns="91440" bIns="45720" rtlCol="0" anchor="b">
+            <a:normAutofit/>
+          </a:bodyPr>
+          <a:lstStyle/>
+          <a:p>
+            <a:pPr algn="ctr"/>
+            <a:r>
+              <a:rPr lang="en-US" sz="5400" dirty="0">
+                <a:solidFill>
+                  <a:srgbClr val="FFFFFF"/>
+                </a:solidFill>
+              </a:rPr>
+              <a:t>Project</a:t>
+            </a:r>
+            <a:endParaRPr lang="en-US" sz="5400" kern="1200" dirty="0">
+              <a:solidFill>
+                <a:srgbClr val="FFFFFF"/>
+              </a:solidFill>
+              <a:latin typeface="+mj-lt"/>
+              <a:ea typeface="+mj-ea"/>
+              <a:cs typeface="+mj-cs"/>
+            </a:endParaRPr>
+          </a:p>
+        </p:txBody>
+      </p:sp>
+      <p:cxnSp>
+        <p:nvCxnSpPr>
+          <p:cNvPr id="11" name="Straight Connector 10">
+            <a:extLst>
+              <a:ext uri="{FF2B5EF4-FFF2-40B4-BE49-F238E27FC236}">
+                <a16:creationId xmlns:a16="http://schemas.microsoft.com/office/drawing/2014/main" id="{7E7C77BC-7138-40B1-A15B-20F57A494629}"/>
+              </a:ext>
+              <a:ext uri="{C183D7F6-B498-43B3-948B-1728B52AA6E4}">
+                <adec:decorative xmlns:adec="http://schemas.microsoft.com/office/drawing/2017/decorative" val="1"/>
+              </a:ext>
+            </a:extLst>
+          </p:cNvPr>
+          <p:cNvCxnSpPr>
+            <a:cxnSpLocks noGrp="1" noRot="1" noChangeAspect="1" noMove="1" noResize="1" noEditPoints="1" noAdjustHandles="1" noChangeArrowheads="1" noChangeShapeType="1"/>
+          </p:cNvCxnSpPr>
+          <p:nvPr>
+            <p:extLst>
+              <p:ext uri="{386F3935-93C4-4BCD-93E2-E3B085C9AB24}">
+                <p16:designElem xmlns:p16="http://schemas.microsoft.com/office/powerpoint/2015/main" val="1"/>
+              </p:ext>
+            </p:extLst>
+          </p:nvPr>
+        </p:nvCxnSpPr>
+        <p:spPr>
+          <a:xfrm>
+            <a:off x="2209800" y="1448631"/>
+            <a:ext cx="7772400" cy="0"/>
+          </a:xfrm>
+          <a:prstGeom prst="line">
+            <a:avLst/>
+          </a:prstGeom>
+          <a:ln w="22225">
+            <a:solidFill>
+              <a:srgbClr val="D9D9D9"/>
+            </a:solidFill>
+          </a:ln>
+        </p:spPr>
+        <p:style>
+          <a:lnRef idx="1">
+            <a:schemeClr val="accent1"/>
+          </a:lnRef>
+          <a:fillRef idx="0">
+            <a:schemeClr val="accent1"/>
+          </a:fillRef>
+          <a:effectRef idx="0">
+            <a:schemeClr val="accent1"/>
+          </a:effectRef>
+          <a:fontRef idx="minor">
+            <a:schemeClr val="tx1"/>
+          </a:fontRef>
+        </p:style>
+      </p:cxnSp>
+      <p:sp>
+        <p:nvSpPr>
+          <p:cNvPr id="5" name="Content Placeholder 4">
+            <a:extLst>
+              <a:ext uri="{FF2B5EF4-FFF2-40B4-BE49-F238E27FC236}">
+                <a16:creationId xmlns:a16="http://schemas.microsoft.com/office/drawing/2014/main" id="{8E8725FA-FE76-4AB0-B361-6FEE7F6E4AE8}"/>
+              </a:ext>
+            </a:extLst>
+          </p:cNvPr>
+          <p:cNvSpPr>
+            <a:spLocks noGrp="1"/>
+          </p:cNvSpPr>
+          <p:nvPr>
+            <p:ph idx="1"/>
+          </p:nvPr>
+        </p:nvSpPr>
+        <p:spPr>
+          <a:xfrm>
+            <a:off x="838200" y="2454965"/>
+            <a:ext cx="10515600" cy="3721997"/>
+          </a:xfrm>
+        </p:spPr>
+        <p:txBody>
+          <a:bodyPr>
+            <a:normAutofit/>
+          </a:bodyPr>
+          <a:lstStyle/>
+          <a:p>
+            <a:pPr lvl="0"/>
+            <a:r>
+              <a:rPr lang="en-US" dirty="0"/>
+              <a:t>Create a Search Engine that will scrape from (IMDB)</a:t>
+            </a:r>
+          </a:p>
+          <a:p>
+            <a:r>
+              <a:rPr lang="en-US" dirty="0"/>
+              <a:t>Feature 1: Showing Movie Trailers</a:t>
+            </a:r>
+          </a:p>
+          <a:p>
+            <a:r>
+              <a:rPr lang="en-US" dirty="0"/>
+              <a:t>Feature 2: Allow user to use voting mechanism</a:t>
+            </a:r>
+          </a:p>
+          <a:p>
+            <a:pPr lvl="0"/>
+            <a:endParaRPr lang="en-US" dirty="0"/>
+          </a:p>
+          <a:p>
+            <a:pPr marL="0" indent="0">
+              <a:buNone/>
+            </a:pPr>
+            <a:endParaRPr lang="en-US" dirty="0"/>
+          </a:p>
+        </p:txBody>
+      </p:sp>
+    </p:spTree>
+    <p:extLst>
+      <p:ext uri="{BB962C8B-B14F-4D97-AF65-F5344CB8AC3E}">
+        <p14:creationId xmlns:p14="http://schemas.microsoft.com/office/powerpoint/2010/main" val="2985089097"/>
+      </p:ext>
+    </p:extLst>
+  </p:cSld>
+  <p:clrMapOvr>
     <a:masterClrMapping/>
+  </p:clrMapOvr>
+</p:sld>
+</file>
+
+<file path=ppt/slides/slide3.xml><?xml version="1.0" encoding="utf-8"?>
+<p:sld xmlns:a="http://schemas.openxmlformats.org/drawingml/2006/main" xmlns:r="http://schemas.openxmlformats.org/officeDocument/2006/relationships" xmlns:p="http://schemas.openxmlformats.org/presentationml/2006/main">
+  <p:cSld>
+    <p:bg>
+      <p:bgPr>
+        <a:solidFill>
+          <a:schemeClr val="bg1"/>
+        </a:solidFill>
+        <a:effectLst/>
+      </p:bgPr>
+    </p:bg>
+    <p:spTree>
+      <p:nvGrpSpPr>
+        <p:cNvPr id="1" name=""/>
+        <p:cNvGrpSpPr/>
+        <p:nvPr/>
+      </p:nvGrpSpPr>
+      <p:grpSpPr>
+        <a:xfrm>
+          <a:off x="0" y="0"/>
+          <a:ext cx="0" cy="0"/>
+          <a:chOff x="0" y="0"/>
+          <a:chExt cx="0" cy="0"/>
+        </a:xfrm>
+      </p:grpSpPr>
+      <p:sp>
+        <p:nvSpPr>
+          <p:cNvPr id="9" name="Rectangle 8">
+            <a:extLst>
+              <a:ext uri="{FF2B5EF4-FFF2-40B4-BE49-F238E27FC236}">
+                <a16:creationId xmlns:a16="http://schemas.microsoft.com/office/drawing/2014/main" id="{823AC064-BC96-4F32-8AE1-B2FD38754823}"/>
+              </a:ext>
+              <a:ext uri="{C183D7F6-B498-43B3-948B-1728B52AA6E4}">
+                <adec:decorative xmlns:adec="http://schemas.microsoft.com/office/drawing/2017/decorative" val="1"/>
+              </a:ext>
+            </a:extLst>
+          </p:cNvPr>
+          <p:cNvSpPr>
+            <a:spLocks noGrp="1" noRot="1" noChangeAspect="1" noMove="1" noResize="1" noEditPoints="1" noAdjustHandles="1" noChangeArrowheads="1" noChangeShapeType="1" noTextEdit="1"/>
+          </p:cNvSpPr>
+          <p:nvPr>
+            <p:extLst>
+              <p:ext uri="{386F3935-93C4-4BCD-93E2-E3B085C9AB24}">
+                <p16:designElem xmlns:p16="http://schemas.microsoft.com/office/powerpoint/2015/main" val="1"/>
+              </p:ext>
+            </p:extLst>
+          </p:nvPr>
+        </p:nvSpPr>
+        <p:spPr bwMode="ltGray">
+          <a:xfrm>
+            <a:off x="378068" y="343486"/>
+            <a:ext cx="11438793" cy="1844256"/>
+          </a:xfrm>
+          <a:prstGeom prst="rect">
+            <a:avLst/>
+          </a:prstGeom>
+          <a:solidFill>
+            <a:srgbClr val="404040"/>
+          </a:solidFill>
+          <a:ln w="127000" cap="sq" cmpd="thinThick">
+            <a:solidFill>
+              <a:srgbClr val="404040"/>
+            </a:solidFill>
+          </a:ln>
+        </p:spPr>
+        <p:style>
+          <a:lnRef idx="2">
+            <a:schemeClr val="accent1">
+              <a:shade val="50000"/>
+            </a:schemeClr>
+          </a:lnRef>
+          <a:fillRef idx="1">
+            <a:schemeClr val="accent1"/>
+          </a:fillRef>
+          <a:effectRef idx="0">
+            <a:schemeClr val="accent1"/>
+          </a:effectRef>
+          <a:fontRef idx="minor">
+            <a:schemeClr val="lt1"/>
+          </a:fontRef>
+        </p:style>
+        <p:txBody>
+          <a:bodyPr rtlCol="0" anchor="ctr"/>
+          <a:lstStyle/>
+          <a:p>
+            <a:pPr marL="0" marR="0" lvl="0" indent="0" algn="ctr" defTabSz="914400" rtl="0" eaLnBrk="1" fontAlgn="auto" latinLnBrk="0" hangingPunct="1">
+              <a:lnSpc>
+                <a:spcPct val="100000"/>
+              </a:lnSpc>
+              <a:spcBef>
+                <a:spcPts val="0"/>
+              </a:spcBef>
+              <a:spcAft>
+                <a:spcPts val="0"/>
+              </a:spcAft>
+              <a:buClrTx/>
+              <a:buSzTx/>
+              <a:buFontTx/>
+              <a:buNone/>
+              <a:tabLst/>
+              <a:defRPr/>
+            </a:pPr>
+            <a:endParaRPr kumimoji="0" lang="en-US" sz="1800" b="0" i="0" u="none" strike="noStrike" kern="1200" cap="none" spc="0" normalizeH="0" baseline="0" noProof="0">
+              <a:ln>
+                <a:noFill/>
+              </a:ln>
+              <a:solidFill>
+                <a:prstClr val="white"/>
+              </a:solidFill>
+              <a:effectLst/>
+              <a:uLnTx/>
+              <a:uFillTx/>
+              <a:latin typeface="Calibri" panose="020F0502020204030204"/>
+              <a:ea typeface="+mn-ea"/>
+              <a:cs typeface="+mn-cs"/>
+            </a:endParaRPr>
+          </a:p>
+        </p:txBody>
+      </p:sp>
+      <p:sp>
+        <p:nvSpPr>
+          <p:cNvPr id="2" name="Title 1">
+            <a:extLst>
+              <a:ext uri="{FF2B5EF4-FFF2-40B4-BE49-F238E27FC236}">
+                <a16:creationId xmlns:a16="http://schemas.microsoft.com/office/drawing/2014/main" id="{BBE06892-869F-4104-A0C2-10BE1A162F80}"/>
+              </a:ext>
+            </a:extLst>
+          </p:cNvPr>
+          <p:cNvSpPr>
+            <a:spLocks noGrp="1"/>
+          </p:cNvSpPr>
+          <p:nvPr>
+            <p:ph type="title"/>
+          </p:nvPr>
+        </p:nvSpPr>
+        <p:spPr>
+          <a:xfrm>
+            <a:off x="526073" y="466578"/>
+            <a:ext cx="11139854" cy="930447"/>
+          </a:xfrm>
+        </p:spPr>
+        <p:txBody>
+          <a:bodyPr vert="horz" lIns="91440" tIns="45720" rIns="91440" bIns="45720" rtlCol="0" anchor="b">
+            <a:normAutofit/>
+          </a:bodyPr>
+          <a:lstStyle/>
+          <a:p>
+            <a:pPr algn="ctr"/>
+            <a:r>
+              <a:rPr lang="en-US" sz="5400" dirty="0">
+                <a:solidFill>
+                  <a:srgbClr val="FFFFFF"/>
+                </a:solidFill>
+              </a:rPr>
+              <a:t>Web Scraper</a:t>
+            </a:r>
+            <a:endParaRPr lang="en-US" sz="5400" kern="1200" dirty="0">
+              <a:solidFill>
+                <a:srgbClr val="FFFFFF"/>
+              </a:solidFill>
+              <a:latin typeface="+mj-lt"/>
+              <a:ea typeface="+mj-ea"/>
+              <a:cs typeface="+mj-cs"/>
+            </a:endParaRPr>
+          </a:p>
+        </p:txBody>
+      </p:sp>
+      <p:cxnSp>
+        <p:nvCxnSpPr>
+          <p:cNvPr id="11" name="Straight Connector 10">
+            <a:extLst>
+              <a:ext uri="{FF2B5EF4-FFF2-40B4-BE49-F238E27FC236}">
+                <a16:creationId xmlns:a16="http://schemas.microsoft.com/office/drawing/2014/main" id="{7E7C77BC-7138-40B1-A15B-20F57A494629}"/>
+              </a:ext>
+              <a:ext uri="{C183D7F6-B498-43B3-948B-1728B52AA6E4}">
+                <adec:decorative xmlns:adec="http://schemas.microsoft.com/office/drawing/2017/decorative" val="1"/>
+              </a:ext>
+            </a:extLst>
+          </p:cNvPr>
+          <p:cNvCxnSpPr>
+            <a:cxnSpLocks noGrp="1" noRot="1" noChangeAspect="1" noMove="1" noResize="1" noEditPoints="1" noAdjustHandles="1" noChangeArrowheads="1" noChangeShapeType="1"/>
+          </p:cNvCxnSpPr>
+          <p:nvPr>
+            <p:extLst>
+              <p:ext uri="{386F3935-93C4-4BCD-93E2-E3B085C9AB24}">
+                <p16:designElem xmlns:p16="http://schemas.microsoft.com/office/powerpoint/2015/main" val="1"/>
+              </p:ext>
+            </p:extLst>
+          </p:nvPr>
+        </p:nvCxnSpPr>
+        <p:spPr>
+          <a:xfrm>
+            <a:off x="2209800" y="1448631"/>
+            <a:ext cx="7772400" cy="0"/>
+          </a:xfrm>
+          <a:prstGeom prst="line">
+            <a:avLst/>
+          </a:prstGeom>
+          <a:ln w="22225">
+            <a:solidFill>
+              <a:srgbClr val="D9D9D9"/>
+            </a:solidFill>
+          </a:ln>
+        </p:spPr>
+        <p:style>
+          <a:lnRef idx="1">
+            <a:schemeClr val="accent1"/>
+          </a:lnRef>
+          <a:fillRef idx="0">
+            <a:schemeClr val="accent1"/>
+          </a:fillRef>
+          <a:effectRef idx="0">
+            <a:schemeClr val="accent1"/>
+          </a:effectRef>
+          <a:fontRef idx="minor">
+            <a:schemeClr val="tx1"/>
+          </a:fontRef>
+        </p:style>
+      </p:cxnSp>
+      <p:sp>
+        <p:nvSpPr>
+          <p:cNvPr id="5" name="Content Placeholder 4">
+            <a:extLst>
+              <a:ext uri="{FF2B5EF4-FFF2-40B4-BE49-F238E27FC236}">
+                <a16:creationId xmlns:a16="http://schemas.microsoft.com/office/drawing/2014/main" id="{8E8725FA-FE76-4AB0-B361-6FEE7F6E4AE8}"/>
+              </a:ext>
+            </a:extLst>
+          </p:cNvPr>
+          <p:cNvSpPr>
+            <a:spLocks noGrp="1"/>
+          </p:cNvSpPr>
+          <p:nvPr>
+            <p:ph idx="1"/>
+          </p:nvPr>
+        </p:nvSpPr>
+        <p:spPr>
+          <a:xfrm>
+            <a:off x="838200" y="2454965"/>
+            <a:ext cx="10515600" cy="3721997"/>
+          </a:xfrm>
+        </p:spPr>
+        <p:txBody>
+          <a:bodyPr>
+            <a:normAutofit lnSpcReduction="10000"/>
+          </a:bodyPr>
+          <a:lstStyle/>
+          <a:p>
+            <a:pPr lvl="0"/>
+            <a:r>
+              <a:rPr lang="en-US" dirty="0"/>
+              <a:t>Scraping IMDB</a:t>
+            </a:r>
+          </a:p>
+          <a:p>
+            <a:pPr lvl="0"/>
+            <a:r>
+              <a:rPr lang="en-US" dirty="0"/>
+              <a:t>Data we are scraping:</a:t>
+            </a:r>
+          </a:p>
+          <a:p>
+            <a:pPr lvl="1"/>
+            <a:r>
+              <a:rPr lang="en-US" dirty="0"/>
+              <a:t>Title</a:t>
+            </a:r>
+          </a:p>
+          <a:p>
+            <a:pPr lvl="1"/>
+            <a:r>
+              <a:rPr lang="en-US" dirty="0"/>
+              <a:t>Release</a:t>
+            </a:r>
+          </a:p>
+          <a:p>
+            <a:pPr lvl="1"/>
+            <a:r>
+              <a:rPr lang="en-US" dirty="0"/>
+              <a:t>Description</a:t>
+            </a:r>
+          </a:p>
+          <a:p>
+            <a:pPr lvl="1"/>
+            <a:r>
+              <a:rPr lang="en-US" dirty="0"/>
+              <a:t>Rating</a:t>
+            </a:r>
+          </a:p>
+          <a:p>
+            <a:pPr lvl="1"/>
+            <a:r>
+              <a:rPr lang="en-US" dirty="0"/>
+              <a:t>IMDB </a:t>
+            </a:r>
+            <a:r>
+              <a:rPr lang="en-US" dirty="0" err="1"/>
+              <a:t>url</a:t>
+            </a:r>
+            <a:endParaRPr lang="en-US" dirty="0"/>
+          </a:p>
+          <a:p>
+            <a:pPr lvl="1"/>
+            <a:r>
+              <a:rPr lang="en-US" dirty="0"/>
+              <a:t>Number of votes</a:t>
+            </a:r>
+          </a:p>
+          <a:p>
+            <a:pPr lvl="0"/>
+            <a:r>
+              <a:rPr lang="en-US" dirty="0"/>
+              <a:t>CSV file</a:t>
+            </a:r>
+          </a:p>
+          <a:p>
+            <a:pPr marL="0" indent="0">
+              <a:buNone/>
+            </a:pPr>
+            <a:endParaRPr lang="en-US" dirty="0"/>
+          </a:p>
+        </p:txBody>
+      </p:sp>
+    </p:spTree>
+    <p:extLst>
+      <p:ext uri="{BB962C8B-B14F-4D97-AF65-F5344CB8AC3E}">
+        <p14:creationId xmlns:p14="http://schemas.microsoft.com/office/powerpoint/2010/main" val="3284893569"/>
+      </p:ext>
+    </p:extLst>
+  </p:cSld>
+  <p:clrMapOvr>
+    <a:masterClrMapping/>
+  </p:clrMapOvr>
+</p:sld>
+</file>
+
+<file path=ppt/slides/slide4.xml><?xml version="1.0" encoding="utf-8"?>
+<p:sld xmlns:a="http://schemas.openxmlformats.org/drawingml/2006/main" xmlns:r="http://schemas.openxmlformats.org/officeDocument/2006/relationships" xmlns:p="http://schemas.openxmlformats.org/presentationml/2006/main">
+  <p:cSld>
+    <p:bg>
+      <p:bgPr>
+        <a:solidFill>
+          <a:schemeClr val="bg1"/>
+        </a:solidFill>
+        <a:effectLst/>
+      </p:bgPr>
+    </p:bg>
+    <p:spTree>
+      <p:nvGrpSpPr>
+        <p:cNvPr id="1" name=""/>
+        <p:cNvGrpSpPr/>
+        <p:nvPr/>
+      </p:nvGrpSpPr>
+      <p:grpSpPr>
+        <a:xfrm>
+          <a:off x="0" y="0"/>
+          <a:ext cx="0" cy="0"/>
+          <a:chOff x="0" y="0"/>
+          <a:chExt cx="0" cy="0"/>
+        </a:xfrm>
+      </p:grpSpPr>
+      <p:sp>
+        <p:nvSpPr>
+          <p:cNvPr id="9" name="Rectangle 8">
+            <a:extLst>
+              <a:ext uri="{FF2B5EF4-FFF2-40B4-BE49-F238E27FC236}">
+                <a16:creationId xmlns:a16="http://schemas.microsoft.com/office/drawing/2014/main" id="{823AC064-BC96-4F32-8AE1-B2FD38754823}"/>
+              </a:ext>
+              <a:ext uri="{C183D7F6-B498-43B3-948B-1728B52AA6E4}">
+                <adec:decorative xmlns:adec="http://schemas.microsoft.com/office/drawing/2017/decorative" val="1"/>
+              </a:ext>
+            </a:extLst>
+          </p:cNvPr>
+          <p:cNvSpPr>
+            <a:spLocks noGrp="1" noRot="1" noChangeAspect="1" noMove="1" noResize="1" noEditPoints="1" noAdjustHandles="1" noChangeArrowheads="1" noChangeShapeType="1" noTextEdit="1"/>
+          </p:cNvSpPr>
+          <p:nvPr>
+            <p:extLst>
+              <p:ext uri="{386F3935-93C4-4BCD-93E2-E3B085C9AB24}">
+                <p16:designElem xmlns:p16="http://schemas.microsoft.com/office/powerpoint/2015/main" val="1"/>
+              </p:ext>
+            </p:extLst>
+          </p:nvPr>
+        </p:nvSpPr>
+        <p:spPr bwMode="ltGray">
+          <a:xfrm>
+            <a:off x="378068" y="343486"/>
+            <a:ext cx="11438793" cy="1844256"/>
+          </a:xfrm>
+          <a:prstGeom prst="rect">
+            <a:avLst/>
+          </a:prstGeom>
+          <a:solidFill>
+            <a:srgbClr val="404040"/>
+          </a:solidFill>
+          <a:ln w="127000" cap="sq" cmpd="thinThick">
+            <a:solidFill>
+              <a:srgbClr val="404040"/>
+            </a:solidFill>
+          </a:ln>
+        </p:spPr>
+        <p:style>
+          <a:lnRef idx="2">
+            <a:schemeClr val="accent1">
+              <a:shade val="50000"/>
+            </a:schemeClr>
+          </a:lnRef>
+          <a:fillRef idx="1">
+            <a:schemeClr val="accent1"/>
+          </a:fillRef>
+          <a:effectRef idx="0">
+            <a:schemeClr val="accent1"/>
+          </a:effectRef>
+          <a:fontRef idx="minor">
+            <a:schemeClr val="lt1"/>
+          </a:fontRef>
+        </p:style>
+        <p:txBody>
+          <a:bodyPr rtlCol="0" anchor="ctr"/>
+          <a:lstStyle/>
+          <a:p>
+            <a:pPr marL="0" marR="0" lvl="0" indent="0" algn="ctr" defTabSz="914400" rtl="0" eaLnBrk="1" fontAlgn="auto" latinLnBrk="0" hangingPunct="1">
+              <a:lnSpc>
+                <a:spcPct val="100000"/>
+              </a:lnSpc>
+              <a:spcBef>
+                <a:spcPts val="0"/>
+              </a:spcBef>
+              <a:spcAft>
+                <a:spcPts val="0"/>
+              </a:spcAft>
+              <a:buClrTx/>
+              <a:buSzTx/>
+              <a:buFontTx/>
+              <a:buNone/>
+              <a:tabLst/>
+              <a:defRPr/>
+            </a:pPr>
+            <a:endParaRPr kumimoji="0" lang="en-US" sz="1800" b="0" i="0" u="none" strike="noStrike" kern="1200" cap="none" spc="0" normalizeH="0" baseline="0" noProof="0">
+              <a:ln>
+                <a:noFill/>
+              </a:ln>
+              <a:solidFill>
+                <a:prstClr val="white"/>
+              </a:solidFill>
+              <a:effectLst/>
+              <a:uLnTx/>
+              <a:uFillTx/>
+              <a:latin typeface="Calibri" panose="020F0502020204030204"/>
+              <a:ea typeface="+mn-ea"/>
+              <a:cs typeface="+mn-cs"/>
+            </a:endParaRPr>
+          </a:p>
+        </p:txBody>
+      </p:sp>
+      <p:sp>
+        <p:nvSpPr>
+          <p:cNvPr id="2" name="Title 1">
+            <a:extLst>
+              <a:ext uri="{FF2B5EF4-FFF2-40B4-BE49-F238E27FC236}">
+                <a16:creationId xmlns:a16="http://schemas.microsoft.com/office/drawing/2014/main" id="{BBE06892-869F-4104-A0C2-10BE1A162F80}"/>
+              </a:ext>
+            </a:extLst>
+          </p:cNvPr>
+          <p:cNvSpPr>
+            <a:spLocks noGrp="1"/>
+          </p:cNvSpPr>
+          <p:nvPr>
+            <p:ph type="title"/>
+          </p:nvPr>
+        </p:nvSpPr>
+        <p:spPr>
+          <a:xfrm>
+            <a:off x="526073" y="466578"/>
+            <a:ext cx="11139854" cy="930447"/>
+          </a:xfrm>
+        </p:spPr>
+        <p:txBody>
+          <a:bodyPr vert="horz" lIns="91440" tIns="45720" rIns="91440" bIns="45720" rtlCol="0" anchor="b">
+            <a:normAutofit/>
+          </a:bodyPr>
+          <a:lstStyle/>
+          <a:p>
+            <a:pPr algn="ctr"/>
+            <a:r>
+              <a:rPr lang="en-US" sz="5400" dirty="0">
+                <a:solidFill>
+                  <a:srgbClr val="FFFFFF"/>
+                </a:solidFill>
+              </a:rPr>
+              <a:t>Feature 1: Link to IMDB</a:t>
+            </a:r>
+            <a:endParaRPr lang="en-US" sz="5400" kern="1200" dirty="0">
+              <a:solidFill>
+                <a:srgbClr val="FFFFFF"/>
+              </a:solidFill>
+              <a:latin typeface="+mj-lt"/>
+              <a:ea typeface="+mj-ea"/>
+              <a:cs typeface="+mj-cs"/>
+            </a:endParaRPr>
+          </a:p>
+        </p:txBody>
+      </p:sp>
+      <p:cxnSp>
+        <p:nvCxnSpPr>
+          <p:cNvPr id="11" name="Straight Connector 10">
+            <a:extLst>
+              <a:ext uri="{FF2B5EF4-FFF2-40B4-BE49-F238E27FC236}">
+                <a16:creationId xmlns:a16="http://schemas.microsoft.com/office/drawing/2014/main" id="{7E7C77BC-7138-40B1-A15B-20F57A494629}"/>
+              </a:ext>
+              <a:ext uri="{C183D7F6-B498-43B3-948B-1728B52AA6E4}">
+                <adec:decorative xmlns:adec="http://schemas.microsoft.com/office/drawing/2017/decorative" val="1"/>
+              </a:ext>
+            </a:extLst>
+          </p:cNvPr>
+          <p:cNvCxnSpPr>
+            <a:cxnSpLocks noGrp="1" noRot="1" noChangeAspect="1" noMove="1" noResize="1" noEditPoints="1" noAdjustHandles="1" noChangeArrowheads="1" noChangeShapeType="1"/>
+          </p:cNvCxnSpPr>
+          <p:nvPr>
+            <p:extLst>
+              <p:ext uri="{386F3935-93C4-4BCD-93E2-E3B085C9AB24}">
+                <p16:designElem xmlns:p16="http://schemas.microsoft.com/office/powerpoint/2015/main" val="1"/>
+              </p:ext>
+            </p:extLst>
+          </p:nvPr>
+        </p:nvCxnSpPr>
+        <p:spPr>
+          <a:xfrm>
+            <a:off x="2209800" y="1448631"/>
+            <a:ext cx="7772400" cy="0"/>
+          </a:xfrm>
+          <a:prstGeom prst="line">
+            <a:avLst/>
+          </a:prstGeom>
+          <a:ln w="22225">
+            <a:solidFill>
+              <a:srgbClr val="D9D9D9"/>
+            </a:solidFill>
+          </a:ln>
+        </p:spPr>
+        <p:style>
+          <a:lnRef idx="1">
+            <a:schemeClr val="accent1"/>
+          </a:lnRef>
+          <a:fillRef idx="0">
+            <a:schemeClr val="accent1"/>
+          </a:fillRef>
+          <a:effectRef idx="0">
+            <a:schemeClr val="accent1"/>
+          </a:effectRef>
+          <a:fontRef idx="minor">
+            <a:schemeClr val="tx1"/>
+          </a:fontRef>
+        </p:style>
+      </p:cxnSp>
+      <p:sp>
+        <p:nvSpPr>
+          <p:cNvPr id="5" name="Content Placeholder 4">
+            <a:extLst>
+              <a:ext uri="{FF2B5EF4-FFF2-40B4-BE49-F238E27FC236}">
+                <a16:creationId xmlns:a16="http://schemas.microsoft.com/office/drawing/2014/main" id="{8E8725FA-FE76-4AB0-B361-6FEE7F6E4AE8}"/>
+              </a:ext>
+            </a:extLst>
+          </p:cNvPr>
+          <p:cNvSpPr>
+            <a:spLocks noGrp="1"/>
+          </p:cNvSpPr>
+          <p:nvPr>
+            <p:ph idx="1"/>
+          </p:nvPr>
+        </p:nvSpPr>
+        <p:spPr>
+          <a:xfrm>
+            <a:off x="838200" y="2454965"/>
+            <a:ext cx="10515600" cy="3721997"/>
+          </a:xfrm>
+        </p:spPr>
+        <p:txBody>
+          <a:bodyPr/>
+          <a:lstStyle/>
+          <a:p>
+            <a:pPr lvl="0"/>
+            <a:r>
+              <a:rPr lang="en-US" dirty="0"/>
+              <a:t>Ability to redirect user to actual content (IMDB)</a:t>
+            </a:r>
+          </a:p>
+          <a:p>
+            <a:pPr lvl="0"/>
+            <a:r>
+              <a:rPr lang="en-US" dirty="0"/>
+              <a:t>Users may use IMDB link as an option to view the movie trailer</a:t>
+            </a:r>
+          </a:p>
+          <a:p>
+            <a:pPr lvl="0"/>
+            <a:r>
+              <a:rPr lang="en-US" dirty="0"/>
+              <a:t>(Shown in Web Interface Slide)</a:t>
+            </a:r>
+          </a:p>
+          <a:p>
+            <a:pPr marL="0" indent="0">
+              <a:buNone/>
+            </a:pPr>
+            <a:endParaRPr lang="en-US" dirty="0"/>
+          </a:p>
+        </p:txBody>
+      </p:sp>
+    </p:spTree>
+    <p:extLst>
+      <p:ext uri="{BB962C8B-B14F-4D97-AF65-F5344CB8AC3E}">
+        <p14:creationId xmlns:p14="http://schemas.microsoft.com/office/powerpoint/2010/main" val="3290856316"/>
+      </p:ext>
+    </p:extLst>
+  </p:cSld>
+  <p:clrMapOvr>
+    <a:masterClrMapping/>
+  </p:clrMapOvr>
+</p:sld>
+</file>
+
+<file path=ppt/slides/slide5.xml><?xml version="1.0" encoding="utf-8"?>
+<p:sld xmlns:a="http://schemas.openxmlformats.org/drawingml/2006/main" xmlns:r="http://schemas.openxmlformats.org/officeDocument/2006/relationships" xmlns:p="http://schemas.openxmlformats.org/presentationml/2006/main">
+  <p:cSld>
+    <p:bg>
+      <p:bgPr>
+        <a:solidFill>
+          <a:schemeClr val="bg1"/>
+        </a:solidFill>
+        <a:effectLst/>
+      </p:bgPr>
+    </p:bg>
+    <p:spTree>
+      <p:nvGrpSpPr>
+        <p:cNvPr id="1" name=""/>
+        <p:cNvGrpSpPr/>
+        <p:nvPr/>
+      </p:nvGrpSpPr>
+      <p:grpSpPr>
+        <a:xfrm>
+          <a:off x="0" y="0"/>
+          <a:ext cx="0" cy="0"/>
+          <a:chOff x="0" y="0"/>
+          <a:chExt cx="0" cy="0"/>
+        </a:xfrm>
+      </p:grpSpPr>
+      <p:sp>
+        <p:nvSpPr>
+          <p:cNvPr id="9" name="Rectangle 8">
+            <a:extLst>
+              <a:ext uri="{FF2B5EF4-FFF2-40B4-BE49-F238E27FC236}">
+                <a16:creationId xmlns:a16="http://schemas.microsoft.com/office/drawing/2014/main" id="{823AC064-BC96-4F32-8AE1-B2FD38754823}"/>
+              </a:ext>
+              <a:ext uri="{C183D7F6-B498-43B3-948B-1728B52AA6E4}">
+                <adec:decorative xmlns:adec="http://schemas.microsoft.com/office/drawing/2017/decorative" val="1"/>
+              </a:ext>
+            </a:extLst>
+          </p:cNvPr>
+          <p:cNvSpPr>
+            <a:spLocks noGrp="1" noRot="1" noChangeAspect="1" noMove="1" noResize="1" noEditPoints="1" noAdjustHandles="1" noChangeArrowheads="1" noChangeShapeType="1" noTextEdit="1"/>
+          </p:cNvSpPr>
+          <p:nvPr>
+            <p:extLst>
+              <p:ext uri="{386F3935-93C4-4BCD-93E2-E3B085C9AB24}">
+                <p16:designElem xmlns:p16="http://schemas.microsoft.com/office/powerpoint/2015/main" val="1"/>
+              </p:ext>
+            </p:extLst>
+          </p:nvPr>
+        </p:nvSpPr>
+        <p:spPr bwMode="ltGray">
+          <a:xfrm>
+            <a:off x="378068" y="343486"/>
+            <a:ext cx="11438793" cy="1844256"/>
+          </a:xfrm>
+          <a:prstGeom prst="rect">
+            <a:avLst/>
+          </a:prstGeom>
+          <a:solidFill>
+            <a:srgbClr val="404040"/>
+          </a:solidFill>
+          <a:ln w="127000" cap="sq" cmpd="thinThick">
+            <a:solidFill>
+              <a:srgbClr val="404040"/>
+            </a:solidFill>
+          </a:ln>
+        </p:spPr>
+        <p:style>
+          <a:lnRef idx="2">
+            <a:schemeClr val="accent1">
+              <a:shade val="50000"/>
+            </a:schemeClr>
+          </a:lnRef>
+          <a:fillRef idx="1">
+            <a:schemeClr val="accent1"/>
+          </a:fillRef>
+          <a:effectRef idx="0">
+            <a:schemeClr val="accent1"/>
+          </a:effectRef>
+          <a:fontRef idx="minor">
+            <a:schemeClr val="lt1"/>
+          </a:fontRef>
+        </p:style>
+        <p:txBody>
+          <a:bodyPr rtlCol="0" anchor="ctr"/>
+          <a:lstStyle/>
+          <a:p>
+            <a:pPr marL="0" marR="0" lvl="0" indent="0" algn="ctr" defTabSz="914400" rtl="0" eaLnBrk="1" fontAlgn="auto" latinLnBrk="0" hangingPunct="1">
+              <a:lnSpc>
+                <a:spcPct val="100000"/>
+              </a:lnSpc>
+              <a:spcBef>
+                <a:spcPts val="0"/>
+              </a:spcBef>
+              <a:spcAft>
+                <a:spcPts val="0"/>
+              </a:spcAft>
+              <a:buClrTx/>
+              <a:buSzTx/>
+              <a:buFontTx/>
+              <a:buNone/>
+              <a:tabLst/>
+              <a:defRPr/>
+            </a:pPr>
+            <a:endParaRPr kumimoji="0" lang="en-US" sz="1800" b="0" i="0" u="none" strike="noStrike" kern="1200" cap="none" spc="0" normalizeH="0" baseline="0" noProof="0">
+              <a:ln>
+                <a:noFill/>
+              </a:ln>
+              <a:solidFill>
+                <a:prstClr val="white"/>
+              </a:solidFill>
+              <a:effectLst/>
+              <a:uLnTx/>
+              <a:uFillTx/>
+              <a:latin typeface="Calibri" panose="020F0502020204030204"/>
+              <a:ea typeface="+mn-ea"/>
+              <a:cs typeface="+mn-cs"/>
+            </a:endParaRPr>
+          </a:p>
+        </p:txBody>
+      </p:sp>
+      <p:sp>
+        <p:nvSpPr>
+          <p:cNvPr id="2" name="Title 1">
+            <a:extLst>
+              <a:ext uri="{FF2B5EF4-FFF2-40B4-BE49-F238E27FC236}">
+                <a16:creationId xmlns:a16="http://schemas.microsoft.com/office/drawing/2014/main" id="{BBE06892-869F-4104-A0C2-10BE1A162F80}"/>
+              </a:ext>
+            </a:extLst>
+          </p:cNvPr>
+          <p:cNvSpPr>
+            <a:spLocks noGrp="1"/>
+          </p:cNvSpPr>
+          <p:nvPr>
+            <p:ph type="title"/>
+          </p:nvPr>
+        </p:nvSpPr>
+        <p:spPr>
+          <a:xfrm>
+            <a:off x="526073" y="466578"/>
+            <a:ext cx="11139854" cy="930447"/>
+          </a:xfrm>
+        </p:spPr>
+        <p:txBody>
+          <a:bodyPr vert="horz" lIns="91440" tIns="45720" rIns="91440" bIns="45720" rtlCol="0" anchor="b">
+            <a:normAutofit/>
+          </a:bodyPr>
+          <a:lstStyle/>
+          <a:p>
+            <a:pPr algn="ctr"/>
+            <a:r>
+              <a:rPr lang="en-US" sz="5400" dirty="0">
+                <a:solidFill>
+                  <a:srgbClr val="FFFFFF"/>
+                </a:solidFill>
+              </a:rPr>
+              <a:t>Feature 2: Ratings</a:t>
+            </a:r>
+            <a:endParaRPr lang="en-US" sz="5400" kern="1200" dirty="0">
+              <a:solidFill>
+                <a:srgbClr val="FFFFFF"/>
+              </a:solidFill>
+              <a:latin typeface="+mj-lt"/>
+              <a:ea typeface="+mj-ea"/>
+              <a:cs typeface="+mj-cs"/>
+            </a:endParaRPr>
+          </a:p>
+        </p:txBody>
+      </p:sp>
+      <p:cxnSp>
+        <p:nvCxnSpPr>
+          <p:cNvPr id="11" name="Straight Connector 10">
+            <a:extLst>
+              <a:ext uri="{FF2B5EF4-FFF2-40B4-BE49-F238E27FC236}">
+                <a16:creationId xmlns:a16="http://schemas.microsoft.com/office/drawing/2014/main" id="{7E7C77BC-7138-40B1-A15B-20F57A494629}"/>
+              </a:ext>
+              <a:ext uri="{C183D7F6-B498-43B3-948B-1728B52AA6E4}">
+                <adec:decorative xmlns:adec="http://schemas.microsoft.com/office/drawing/2017/decorative" val="1"/>
+              </a:ext>
+            </a:extLst>
+          </p:cNvPr>
+          <p:cNvCxnSpPr>
+            <a:cxnSpLocks noGrp="1" noRot="1" noChangeAspect="1" noMove="1" noResize="1" noEditPoints="1" noAdjustHandles="1" noChangeArrowheads="1" noChangeShapeType="1"/>
+          </p:cNvCxnSpPr>
+          <p:nvPr>
+            <p:extLst>
+              <p:ext uri="{386F3935-93C4-4BCD-93E2-E3B085C9AB24}">
+                <p16:designElem xmlns:p16="http://schemas.microsoft.com/office/powerpoint/2015/main" val="1"/>
+              </p:ext>
+            </p:extLst>
+          </p:nvPr>
+        </p:nvCxnSpPr>
+        <p:spPr>
+          <a:xfrm>
+            <a:off x="2209800" y="1448631"/>
+            <a:ext cx="7772400" cy="0"/>
+          </a:xfrm>
+          <a:prstGeom prst="line">
+            <a:avLst/>
+          </a:prstGeom>
+          <a:ln w="22225">
+            <a:solidFill>
+              <a:srgbClr val="D9D9D9"/>
+            </a:solidFill>
+          </a:ln>
+        </p:spPr>
+        <p:style>
+          <a:lnRef idx="1">
+            <a:schemeClr val="accent1"/>
+          </a:lnRef>
+          <a:fillRef idx="0">
+            <a:schemeClr val="accent1"/>
+          </a:fillRef>
+          <a:effectRef idx="0">
+            <a:schemeClr val="accent1"/>
+          </a:effectRef>
+          <a:fontRef idx="minor">
+            <a:schemeClr val="tx1"/>
+          </a:fontRef>
+        </p:style>
+      </p:cxnSp>
+      <p:sp>
+        <p:nvSpPr>
+          <p:cNvPr id="5" name="Content Placeholder 4">
+            <a:extLst>
+              <a:ext uri="{FF2B5EF4-FFF2-40B4-BE49-F238E27FC236}">
+                <a16:creationId xmlns:a16="http://schemas.microsoft.com/office/drawing/2014/main" id="{8E8725FA-FE76-4AB0-B361-6FEE7F6E4AE8}"/>
+              </a:ext>
+            </a:extLst>
+          </p:cNvPr>
+          <p:cNvSpPr>
+            <a:spLocks noGrp="1"/>
+          </p:cNvSpPr>
+          <p:nvPr>
+            <p:ph idx="1"/>
+          </p:nvPr>
+        </p:nvSpPr>
+        <p:spPr>
+          <a:xfrm>
+            <a:off x="838200" y="2454965"/>
+            <a:ext cx="10515600" cy="3721997"/>
+          </a:xfrm>
+        </p:spPr>
+        <p:txBody>
+          <a:bodyPr/>
+          <a:lstStyle/>
+          <a:p>
+            <a:r>
+              <a:rPr lang="en-US" dirty="0"/>
+              <a:t>Allow users to view ratings of movie</a:t>
+            </a:r>
+          </a:p>
+          <a:p>
+            <a:r>
+              <a:rPr lang="en-US" dirty="0"/>
+              <a:t>View how many people have rated the movie</a:t>
+            </a:r>
+          </a:p>
+          <a:p>
+            <a:r>
+              <a:rPr lang="en-US" dirty="0"/>
+              <a:t>Being able to cast a vote and being reflected in our database.</a:t>
+            </a:r>
+          </a:p>
+          <a:p>
+            <a:endParaRPr lang="en-US" dirty="0"/>
+          </a:p>
+        </p:txBody>
+      </p:sp>
+    </p:spTree>
+    <p:extLst>
+      <p:ext uri="{BB962C8B-B14F-4D97-AF65-F5344CB8AC3E}">
+        <p14:creationId xmlns:p14="http://schemas.microsoft.com/office/powerpoint/2010/main" val="2904392072"/>
+      </p:ext>
+    </p:extLst>
+  </p:cSld>
+  <p:clrMapOvr>
+    <a:masterClrMapping/>
+  </p:clrMapOvr>
+</p:sld>
+</file>
+
+<file path=ppt/slides/slide6.xml><?xml version="1.0" encoding="utf-8"?>
+<p:sld xmlns:a="http://schemas.openxmlformats.org/drawingml/2006/main" xmlns:r="http://schemas.openxmlformats.org/officeDocument/2006/relationships" xmlns:p="http://schemas.openxmlformats.org/presentationml/2006/main">
+  <p:cSld>
+    <p:bg>
+      <p:bgPr>
+        <a:solidFill>
+          <a:schemeClr val="bg1"/>
+        </a:solidFill>
+        <a:effectLst/>
+      </p:bgPr>
+    </p:bg>
+    <p:spTree>
+      <p:nvGrpSpPr>
+        <p:cNvPr id="1" name=""/>
+        <p:cNvGrpSpPr/>
+        <p:nvPr/>
+      </p:nvGrpSpPr>
+      <p:grpSpPr>
+        <a:xfrm>
+          <a:off x="0" y="0"/>
+          <a:ext cx="0" cy="0"/>
+          <a:chOff x="0" y="0"/>
+          <a:chExt cx="0" cy="0"/>
+        </a:xfrm>
+      </p:grpSpPr>
+      <p:sp>
+        <p:nvSpPr>
+          <p:cNvPr id="9" name="Rectangle 8">
+            <a:extLst>
+              <a:ext uri="{FF2B5EF4-FFF2-40B4-BE49-F238E27FC236}">
+                <a16:creationId xmlns:a16="http://schemas.microsoft.com/office/drawing/2014/main" id="{823AC064-BC96-4F32-8AE1-B2FD38754823}"/>
+              </a:ext>
+              <a:ext uri="{C183D7F6-B498-43B3-948B-1728B52AA6E4}">
+                <adec:decorative xmlns:adec="http://schemas.microsoft.com/office/drawing/2017/decorative" val="1"/>
+              </a:ext>
+            </a:extLst>
+          </p:cNvPr>
+          <p:cNvSpPr>
+            <a:spLocks noGrp="1" noRot="1" noChangeAspect="1" noMove="1" noResize="1" noEditPoints="1" noAdjustHandles="1" noChangeArrowheads="1" noChangeShapeType="1" noTextEdit="1"/>
+          </p:cNvSpPr>
+          <p:nvPr>
+            <p:extLst>
+              <p:ext uri="{386F3935-93C4-4BCD-93E2-E3B085C9AB24}">
+                <p16:designElem xmlns:p16="http://schemas.microsoft.com/office/powerpoint/2015/main" val="1"/>
+              </p:ext>
+            </p:extLst>
+          </p:nvPr>
+        </p:nvSpPr>
+        <p:spPr bwMode="ltGray">
+          <a:xfrm>
+            <a:off x="378068" y="343486"/>
+            <a:ext cx="11438793" cy="1844256"/>
+          </a:xfrm>
+          <a:prstGeom prst="rect">
+            <a:avLst/>
+          </a:prstGeom>
+          <a:solidFill>
+            <a:srgbClr val="404040"/>
+          </a:solidFill>
+          <a:ln w="127000" cap="sq" cmpd="thinThick">
+            <a:solidFill>
+              <a:srgbClr val="404040"/>
+            </a:solidFill>
+          </a:ln>
+        </p:spPr>
+        <p:style>
+          <a:lnRef idx="2">
+            <a:schemeClr val="accent1">
+              <a:shade val="50000"/>
+            </a:schemeClr>
+          </a:lnRef>
+          <a:fillRef idx="1">
+            <a:schemeClr val="accent1"/>
+          </a:fillRef>
+          <a:effectRef idx="0">
+            <a:schemeClr val="accent1"/>
+          </a:effectRef>
+          <a:fontRef idx="minor">
+            <a:schemeClr val="lt1"/>
+          </a:fontRef>
+        </p:style>
+        <p:txBody>
+          <a:bodyPr rtlCol="0" anchor="ctr"/>
+          <a:lstStyle/>
+          <a:p>
+            <a:pPr marL="0" marR="0" lvl="0" indent="0" algn="ctr" defTabSz="914400" rtl="0" eaLnBrk="1" fontAlgn="auto" latinLnBrk="0" hangingPunct="1">
+              <a:lnSpc>
+                <a:spcPct val="100000"/>
+              </a:lnSpc>
+              <a:spcBef>
+                <a:spcPts val="0"/>
+              </a:spcBef>
+              <a:spcAft>
+                <a:spcPts val="0"/>
+              </a:spcAft>
+              <a:buClrTx/>
+              <a:buSzTx/>
+              <a:buFontTx/>
+              <a:buNone/>
+              <a:tabLst/>
+              <a:defRPr/>
+            </a:pPr>
+            <a:endParaRPr kumimoji="0" lang="en-US" sz="1800" b="0" i="0" u="none" strike="noStrike" kern="1200" cap="none" spc="0" normalizeH="0" baseline="0" noProof="0">
+              <a:ln>
+                <a:noFill/>
+              </a:ln>
+              <a:solidFill>
+                <a:prstClr val="white"/>
+              </a:solidFill>
+              <a:effectLst/>
+              <a:uLnTx/>
+              <a:uFillTx/>
+              <a:latin typeface="Calibri" panose="020F0502020204030204"/>
+              <a:ea typeface="+mn-ea"/>
+              <a:cs typeface="+mn-cs"/>
+            </a:endParaRPr>
+          </a:p>
+        </p:txBody>
+      </p:sp>
+      <p:sp>
+        <p:nvSpPr>
+          <p:cNvPr id="2" name="Title 1">
+            <a:extLst>
+              <a:ext uri="{FF2B5EF4-FFF2-40B4-BE49-F238E27FC236}">
+                <a16:creationId xmlns:a16="http://schemas.microsoft.com/office/drawing/2014/main" id="{BBE06892-869F-4104-A0C2-10BE1A162F80}"/>
+              </a:ext>
+            </a:extLst>
+          </p:cNvPr>
+          <p:cNvSpPr>
+            <a:spLocks noGrp="1"/>
+          </p:cNvSpPr>
+          <p:nvPr>
+            <p:ph type="title"/>
+          </p:nvPr>
+        </p:nvSpPr>
+        <p:spPr>
+          <a:xfrm>
+            <a:off x="526073" y="466578"/>
+            <a:ext cx="11139854" cy="930447"/>
+          </a:xfrm>
+        </p:spPr>
+        <p:txBody>
+          <a:bodyPr vert="horz" lIns="91440" tIns="45720" rIns="91440" bIns="45720" rtlCol="0" anchor="b">
+            <a:normAutofit/>
+          </a:bodyPr>
+          <a:lstStyle/>
+          <a:p>
+            <a:pPr algn="ctr"/>
+            <a:r>
+              <a:rPr lang="en-US" sz="5400" kern="1200">
+                <a:solidFill>
+                  <a:srgbClr val="FFFFFF"/>
+                </a:solidFill>
+                <a:latin typeface="+mj-lt"/>
+                <a:ea typeface="+mj-ea"/>
+                <a:cs typeface="+mj-cs"/>
+              </a:rPr>
+              <a:t>Schema</a:t>
+            </a:r>
+          </a:p>
+        </p:txBody>
+      </p:sp>
+      <p:cxnSp>
+        <p:nvCxnSpPr>
+          <p:cNvPr id="11" name="Straight Connector 10">
+            <a:extLst>
+              <a:ext uri="{FF2B5EF4-FFF2-40B4-BE49-F238E27FC236}">
+                <a16:creationId xmlns:a16="http://schemas.microsoft.com/office/drawing/2014/main" id="{7E7C77BC-7138-40B1-A15B-20F57A494629}"/>
+              </a:ext>
+              <a:ext uri="{C183D7F6-B498-43B3-948B-1728B52AA6E4}">
+                <adec:decorative xmlns:adec="http://schemas.microsoft.com/office/drawing/2017/decorative" val="1"/>
+              </a:ext>
+            </a:extLst>
+          </p:cNvPr>
+          <p:cNvCxnSpPr>
+            <a:cxnSpLocks noGrp="1" noRot="1" noChangeAspect="1" noMove="1" noResize="1" noEditPoints="1" noAdjustHandles="1" noChangeArrowheads="1" noChangeShapeType="1"/>
+          </p:cNvCxnSpPr>
+          <p:nvPr>
+            <p:extLst>
+              <p:ext uri="{386F3935-93C4-4BCD-93E2-E3B085C9AB24}">
+                <p16:designElem xmlns:p16="http://schemas.microsoft.com/office/powerpoint/2015/main" val="1"/>
+              </p:ext>
+            </p:extLst>
+          </p:nvPr>
+        </p:nvCxnSpPr>
+        <p:spPr>
+          <a:xfrm>
+            <a:off x="2209800" y="1448631"/>
+            <a:ext cx="7772400" cy="0"/>
+          </a:xfrm>
+          <a:prstGeom prst="line">
+            <a:avLst/>
+          </a:prstGeom>
+          <a:ln w="22225">
+            <a:solidFill>
+              <a:srgbClr val="D9D9D9"/>
+            </a:solidFill>
+          </a:ln>
+        </p:spPr>
+        <p:style>
+          <a:lnRef idx="1">
+            <a:schemeClr val="accent1"/>
+          </a:lnRef>
+          <a:fillRef idx="0">
+            <a:schemeClr val="accent1"/>
+          </a:fillRef>
+          <a:effectRef idx="0">
+            <a:schemeClr val="accent1"/>
+          </a:effectRef>
+          <a:fontRef idx="minor">
+            <a:schemeClr val="tx1"/>
+          </a:fontRef>
+        </p:style>
+      </p:cxnSp>
+      <p:pic>
+        <p:nvPicPr>
+          <p:cNvPr id="4" name="Content Placeholder 3">
+            <a:extLst>
+              <a:ext uri="{FF2B5EF4-FFF2-40B4-BE49-F238E27FC236}">
+                <a16:creationId xmlns:a16="http://schemas.microsoft.com/office/drawing/2014/main" id="{E5E463D4-9880-4960-AF4E-4DE88CDD4BA5}"/>
+              </a:ext>
+            </a:extLst>
+          </p:cNvPr>
+          <p:cNvPicPr>
+            <a:picLocks noGrp="1" noChangeAspect="1"/>
+          </p:cNvPicPr>
+          <p:nvPr>
+            <p:ph idx="1"/>
+          </p:nvPr>
+        </p:nvPicPr>
+        <p:blipFill>
+          <a:blip r:embed="rId2"/>
+          <a:stretch>
+            <a:fillRect/>
+          </a:stretch>
+        </p:blipFill>
+        <p:spPr>
+          <a:xfrm>
+            <a:off x="516176" y="2509911"/>
+            <a:ext cx="11104549" cy="3997637"/>
+          </a:xfrm>
+          <a:prstGeom prst="rect">
+            <a:avLst/>
+          </a:prstGeom>
+        </p:spPr>
+      </p:pic>
+    </p:spTree>
+    <p:extLst>
+      <p:ext uri="{BB962C8B-B14F-4D97-AF65-F5344CB8AC3E}">
+        <p14:creationId xmlns:p14="http://schemas.microsoft.com/office/powerpoint/2010/main" val="24379867"/>
+      </p:ext>
+    </p:extLst>
+  </p:cSld>
+  <p:clrMapOvr>
+    <a:masterClrMapping/>
+  </p:clrMapOvr>
+</p:sld>
+</file>
+
+<file path=ppt/slides/slide7.xml><?xml version="1.0" encoding="utf-8"?>
+<p:sld xmlns:a="http://schemas.openxmlformats.org/drawingml/2006/main" xmlns:r="http://schemas.openxmlformats.org/officeDocument/2006/relationships" xmlns:p="http://schemas.openxmlformats.org/presentationml/2006/main">
+  <p:cSld>
+    <p:bg>
+      <p:bgPr>
+        <a:solidFill>
+          <a:schemeClr val="bg1"/>
+        </a:solidFill>
+        <a:effectLst/>
+      </p:bgPr>
+    </p:bg>
+    <p:spTree>
+      <p:nvGrpSpPr>
+        <p:cNvPr id="1" name=""/>
+        <p:cNvGrpSpPr/>
+        <p:nvPr/>
+      </p:nvGrpSpPr>
+      <p:grpSpPr>
+        <a:xfrm>
+          <a:off x="0" y="0"/>
+          <a:ext cx="0" cy="0"/>
+          <a:chOff x="0" y="0"/>
+          <a:chExt cx="0" cy="0"/>
+        </a:xfrm>
+      </p:grpSpPr>
+      <p:sp>
+        <p:nvSpPr>
+          <p:cNvPr id="17" name="Rectangle 16">
+            <a:extLst>
+              <a:ext uri="{FF2B5EF4-FFF2-40B4-BE49-F238E27FC236}">
+                <a16:creationId xmlns:a16="http://schemas.microsoft.com/office/drawing/2014/main" id="{823AC064-BC96-4F32-8AE1-B2FD38754823}"/>
+              </a:ext>
+              <a:ext uri="{C183D7F6-B498-43B3-948B-1728B52AA6E4}">
+                <adec:decorative xmlns:adec="http://schemas.microsoft.com/office/drawing/2017/decorative" val="1"/>
+              </a:ext>
+            </a:extLst>
+          </p:cNvPr>
+          <p:cNvSpPr>
+            <a:spLocks noGrp="1" noRot="1" noChangeAspect="1" noMove="1" noResize="1" noEditPoints="1" noAdjustHandles="1" noChangeArrowheads="1" noChangeShapeType="1" noTextEdit="1"/>
+          </p:cNvSpPr>
+          <p:nvPr>
+            <p:extLst>
+              <p:ext uri="{386F3935-93C4-4BCD-93E2-E3B085C9AB24}">
+                <p16:designElem xmlns:p16="http://schemas.microsoft.com/office/powerpoint/2015/main" val="1"/>
+              </p:ext>
+            </p:extLst>
+          </p:nvPr>
+        </p:nvSpPr>
+        <p:spPr bwMode="ltGray">
+          <a:xfrm>
+            <a:off x="378068" y="343486"/>
+            <a:ext cx="11438793" cy="1844256"/>
+          </a:xfrm>
+          <a:prstGeom prst="rect">
+            <a:avLst/>
+          </a:prstGeom>
+          <a:solidFill>
+            <a:srgbClr val="404040"/>
+          </a:solidFill>
+          <a:ln w="127000" cap="sq" cmpd="thinThick">
+            <a:solidFill>
+              <a:srgbClr val="404040"/>
+            </a:solidFill>
+          </a:ln>
+        </p:spPr>
+        <p:style>
+          <a:lnRef idx="2">
+            <a:schemeClr val="accent1">
+              <a:shade val="50000"/>
+            </a:schemeClr>
+          </a:lnRef>
+          <a:fillRef idx="1">
+            <a:schemeClr val="accent1"/>
+          </a:fillRef>
+          <a:effectRef idx="0">
+            <a:schemeClr val="accent1"/>
+          </a:effectRef>
+          <a:fontRef idx="minor">
+            <a:schemeClr val="lt1"/>
+          </a:fontRef>
+        </p:style>
+        <p:txBody>
+          <a:bodyPr rtlCol="0" anchor="ctr"/>
+          <a:lstStyle/>
+          <a:p>
+            <a:pPr marL="0" marR="0" lvl="0" indent="0" algn="ctr" defTabSz="914400" rtl="0" eaLnBrk="1" fontAlgn="auto" latinLnBrk="0" hangingPunct="1">
+              <a:lnSpc>
+                <a:spcPct val="100000"/>
+              </a:lnSpc>
+              <a:spcBef>
+                <a:spcPts val="0"/>
+              </a:spcBef>
+              <a:spcAft>
+                <a:spcPts val="0"/>
+              </a:spcAft>
+              <a:buClrTx/>
+              <a:buSzTx/>
+              <a:buFontTx/>
+              <a:buNone/>
+              <a:tabLst/>
+              <a:defRPr/>
+            </a:pPr>
+            <a:endParaRPr kumimoji="0" lang="en-US" sz="1800" b="0" i="0" u="none" strike="noStrike" kern="1200" cap="none" spc="0" normalizeH="0" baseline="0" noProof="0">
+              <a:ln>
+                <a:noFill/>
+              </a:ln>
+              <a:solidFill>
+                <a:prstClr val="white"/>
+              </a:solidFill>
+              <a:effectLst/>
+              <a:uLnTx/>
+              <a:uFillTx/>
+              <a:latin typeface="Calibri" panose="020F0502020204030204"/>
+              <a:ea typeface="+mn-ea"/>
+              <a:cs typeface="+mn-cs"/>
+            </a:endParaRPr>
+          </a:p>
+        </p:txBody>
+      </p:sp>
+      <p:sp>
+        <p:nvSpPr>
+          <p:cNvPr id="2" name="Title 1">
+            <a:extLst>
+              <a:ext uri="{FF2B5EF4-FFF2-40B4-BE49-F238E27FC236}">
+                <a16:creationId xmlns:a16="http://schemas.microsoft.com/office/drawing/2014/main" id="{BBE06892-869F-4104-A0C2-10BE1A162F80}"/>
+              </a:ext>
+            </a:extLst>
+          </p:cNvPr>
+          <p:cNvSpPr>
+            <a:spLocks noGrp="1"/>
+          </p:cNvSpPr>
+          <p:nvPr>
+            <p:ph type="title"/>
+          </p:nvPr>
+        </p:nvSpPr>
+        <p:spPr>
+          <a:xfrm>
+            <a:off x="526073" y="466578"/>
+            <a:ext cx="11139854" cy="930447"/>
+          </a:xfrm>
+        </p:spPr>
+        <p:txBody>
+          <a:bodyPr vert="horz" lIns="91440" tIns="45720" rIns="91440" bIns="45720" rtlCol="0" anchor="b">
+            <a:normAutofit/>
+          </a:bodyPr>
+          <a:lstStyle/>
+          <a:p>
+            <a:pPr algn="ctr"/>
+            <a:r>
+              <a:rPr lang="en-US" sz="5400" kern="1200">
+                <a:solidFill>
+                  <a:srgbClr val="FFFFFF"/>
+                </a:solidFill>
+                <a:latin typeface="+mj-lt"/>
+                <a:ea typeface="+mj-ea"/>
+                <a:cs typeface="+mj-cs"/>
+              </a:rPr>
+              <a:t>Web Interface (1/2)</a:t>
+            </a:r>
+            <a:endParaRPr lang="en-US" sz="5400" kern="1200" dirty="0">
+              <a:solidFill>
+                <a:srgbClr val="FFFFFF"/>
+              </a:solidFill>
+              <a:latin typeface="+mj-lt"/>
+              <a:ea typeface="+mj-ea"/>
+              <a:cs typeface="+mj-cs"/>
+            </a:endParaRPr>
+          </a:p>
+        </p:txBody>
+      </p:sp>
+      <p:cxnSp>
+        <p:nvCxnSpPr>
+          <p:cNvPr id="19" name="Straight Connector 18">
+            <a:extLst>
+              <a:ext uri="{FF2B5EF4-FFF2-40B4-BE49-F238E27FC236}">
+                <a16:creationId xmlns:a16="http://schemas.microsoft.com/office/drawing/2014/main" id="{7E7C77BC-7138-40B1-A15B-20F57A494629}"/>
+              </a:ext>
+              <a:ext uri="{C183D7F6-B498-43B3-948B-1728B52AA6E4}">
+                <adec:decorative xmlns:adec="http://schemas.microsoft.com/office/drawing/2017/decorative" val="1"/>
+              </a:ext>
+            </a:extLst>
+          </p:cNvPr>
+          <p:cNvCxnSpPr>
+            <a:cxnSpLocks noGrp="1" noRot="1" noChangeAspect="1" noMove="1" noResize="1" noEditPoints="1" noAdjustHandles="1" noChangeArrowheads="1" noChangeShapeType="1"/>
+          </p:cNvCxnSpPr>
+          <p:nvPr>
+            <p:extLst>
+              <p:ext uri="{386F3935-93C4-4BCD-93E2-E3B085C9AB24}">
+                <p16:designElem xmlns:p16="http://schemas.microsoft.com/office/powerpoint/2015/main" val="1"/>
+              </p:ext>
+            </p:extLst>
+          </p:nvPr>
+        </p:nvCxnSpPr>
+        <p:spPr>
+          <a:xfrm>
+            <a:off x="2209800" y="1448631"/>
+            <a:ext cx="7772400" cy="0"/>
+          </a:xfrm>
+          <a:prstGeom prst="line">
+            <a:avLst/>
+          </a:prstGeom>
+          <a:ln w="22225">
+            <a:solidFill>
+              <a:srgbClr val="D9D9D9"/>
+            </a:solidFill>
+          </a:ln>
+        </p:spPr>
+        <p:style>
+          <a:lnRef idx="1">
+            <a:schemeClr val="accent1"/>
+          </a:lnRef>
+          <a:fillRef idx="0">
+            <a:schemeClr val="accent1"/>
+          </a:fillRef>
+          <a:effectRef idx="0">
+            <a:schemeClr val="accent1"/>
+          </a:effectRef>
+          <a:fontRef idx="minor">
+            <a:schemeClr val="tx1"/>
+          </a:fontRef>
+        </p:style>
+      </p:cxnSp>
+      <p:pic>
+        <p:nvPicPr>
+          <p:cNvPr id="14" name="Content Placeholder 3">
+            <a:extLst>
+              <a:ext uri="{FF2B5EF4-FFF2-40B4-BE49-F238E27FC236}">
+                <a16:creationId xmlns:a16="http://schemas.microsoft.com/office/drawing/2014/main" id="{37792D8E-E485-4299-BF35-CA4414D361F6}"/>
+              </a:ext>
+            </a:extLst>
+          </p:cNvPr>
+          <p:cNvPicPr>
+            <a:picLocks noGrp="1" noChangeAspect="1"/>
+          </p:cNvPicPr>
+          <p:nvPr>
+            <p:ph idx="1"/>
+          </p:nvPr>
+        </p:nvPicPr>
+        <p:blipFill>
+          <a:blip r:embed="rId2"/>
+          <a:stretch>
+            <a:fillRect/>
+          </a:stretch>
+        </p:blipFill>
+        <p:spPr>
+          <a:xfrm>
+            <a:off x="2514994" y="2509911"/>
+            <a:ext cx="7106913" cy="3997637"/>
+          </a:xfrm>
+          <a:prstGeom prst="rect">
+            <a:avLst/>
+          </a:prstGeom>
+        </p:spPr>
+      </p:pic>
+    </p:spTree>
+    <p:extLst>
+      <p:ext uri="{BB962C8B-B14F-4D97-AF65-F5344CB8AC3E}">
+        <p14:creationId xmlns:p14="http://schemas.microsoft.com/office/powerpoint/2010/main" val="3386232557"/>
+      </p:ext>
+    </p:extLst>
+  </p:cSld>
+  <p:clrMapOvr>
+    <a:masterClrMapping/>
+  </p:clrMapOvr>
+</p:sld>
+</file>
+
+<file path=ppt/slides/slide8.xml><?xml version="1.0" encoding="utf-8"?>
+<p:sld xmlns:a="http://schemas.openxmlformats.org/drawingml/2006/main" xmlns:r="http://schemas.openxmlformats.org/officeDocument/2006/relationships" xmlns:p="http://schemas.openxmlformats.org/presentationml/2006/main">
+  <p:cSld>
+    <p:bg>
+      <p:bgPr>
+        <a:solidFill>
+          <a:schemeClr val="bg1"/>
+        </a:solidFill>
+        <a:effectLst/>
+      </p:bgPr>
+    </p:bg>
+    <p:spTree>
+      <p:nvGrpSpPr>
+        <p:cNvPr id="1" name=""/>
+        <p:cNvGrpSpPr/>
+        <p:nvPr/>
+      </p:nvGrpSpPr>
+      <p:grpSpPr>
+        <a:xfrm>
+          <a:off x="0" y="0"/>
+          <a:ext cx="0" cy="0"/>
+          <a:chOff x="0" y="0"/>
+          <a:chExt cx="0" cy="0"/>
+        </a:xfrm>
+      </p:grpSpPr>
+      <p:sp>
+        <p:nvSpPr>
+          <p:cNvPr id="25" name="Rectangle 24">
+            <a:extLst>
+              <a:ext uri="{FF2B5EF4-FFF2-40B4-BE49-F238E27FC236}">
+                <a16:creationId xmlns:a16="http://schemas.microsoft.com/office/drawing/2014/main" id="{823AC064-BC96-4F32-8AE1-B2FD38754823}"/>
+              </a:ext>
+              <a:ext uri="{C183D7F6-B498-43B3-948B-1728B52AA6E4}">
+                <adec:decorative xmlns:adec="http://schemas.microsoft.com/office/drawing/2017/decorative" val="1"/>
+              </a:ext>
+            </a:extLst>
+          </p:cNvPr>
+          <p:cNvSpPr>
+            <a:spLocks noGrp="1" noRot="1" noChangeAspect="1" noMove="1" noResize="1" noEditPoints="1" noAdjustHandles="1" noChangeArrowheads="1" noChangeShapeType="1" noTextEdit="1"/>
+          </p:cNvSpPr>
+          <p:nvPr>
+            <p:extLst>
+              <p:ext uri="{386F3935-93C4-4BCD-93E2-E3B085C9AB24}">
+                <p16:designElem xmlns:p16="http://schemas.microsoft.com/office/powerpoint/2015/main" val="1"/>
+              </p:ext>
+            </p:extLst>
+          </p:nvPr>
+        </p:nvSpPr>
+        <p:spPr bwMode="ltGray">
+          <a:xfrm>
+            <a:off x="378068" y="343486"/>
+            <a:ext cx="11438793" cy="1844256"/>
+          </a:xfrm>
+          <a:prstGeom prst="rect">
+            <a:avLst/>
+          </a:prstGeom>
+          <a:solidFill>
+            <a:srgbClr val="404040"/>
+          </a:solidFill>
+          <a:ln w="127000" cap="sq" cmpd="thinThick">
+            <a:solidFill>
+              <a:srgbClr val="404040"/>
+            </a:solidFill>
+          </a:ln>
+        </p:spPr>
+        <p:style>
+          <a:lnRef idx="2">
+            <a:schemeClr val="accent1">
+              <a:shade val="50000"/>
+            </a:schemeClr>
+          </a:lnRef>
+          <a:fillRef idx="1">
+            <a:schemeClr val="accent1"/>
+          </a:fillRef>
+          <a:effectRef idx="0">
+            <a:schemeClr val="accent1"/>
+          </a:effectRef>
+          <a:fontRef idx="minor">
+            <a:schemeClr val="lt1"/>
+          </a:fontRef>
+        </p:style>
+        <p:txBody>
+          <a:bodyPr rtlCol="0" anchor="ctr"/>
+          <a:lstStyle/>
+          <a:p>
+            <a:pPr marL="0" marR="0" lvl="0" indent="0" algn="ctr" defTabSz="914400" rtl="0" eaLnBrk="1" fontAlgn="auto" latinLnBrk="0" hangingPunct="1">
+              <a:lnSpc>
+                <a:spcPct val="100000"/>
+              </a:lnSpc>
+              <a:spcBef>
+                <a:spcPts val="0"/>
+              </a:spcBef>
+              <a:spcAft>
+                <a:spcPts val="0"/>
+              </a:spcAft>
+              <a:buClrTx/>
+              <a:buSzTx/>
+              <a:buFontTx/>
+              <a:buNone/>
+              <a:tabLst/>
+              <a:defRPr/>
+            </a:pPr>
+            <a:endParaRPr kumimoji="0" lang="en-US" sz="1800" b="0" i="0" u="none" strike="noStrike" kern="1200" cap="none" spc="0" normalizeH="0" baseline="0" noProof="0">
+              <a:ln>
+                <a:noFill/>
+              </a:ln>
+              <a:solidFill>
+                <a:prstClr val="white"/>
+              </a:solidFill>
+              <a:effectLst/>
+              <a:uLnTx/>
+              <a:uFillTx/>
+              <a:latin typeface="Calibri" panose="020F0502020204030204"/>
+              <a:ea typeface="+mn-ea"/>
+              <a:cs typeface="+mn-cs"/>
+            </a:endParaRPr>
+          </a:p>
+        </p:txBody>
+      </p:sp>
+      <p:sp>
+        <p:nvSpPr>
+          <p:cNvPr id="2" name="Title 1">
+            <a:extLst>
+              <a:ext uri="{FF2B5EF4-FFF2-40B4-BE49-F238E27FC236}">
+                <a16:creationId xmlns:a16="http://schemas.microsoft.com/office/drawing/2014/main" id="{BBE06892-869F-4104-A0C2-10BE1A162F80}"/>
+              </a:ext>
+            </a:extLst>
+          </p:cNvPr>
+          <p:cNvSpPr>
+            <a:spLocks noGrp="1"/>
+          </p:cNvSpPr>
+          <p:nvPr>
+            <p:ph type="title"/>
+          </p:nvPr>
+        </p:nvSpPr>
+        <p:spPr>
+          <a:xfrm>
+            <a:off x="526073" y="466578"/>
+            <a:ext cx="11139854" cy="930447"/>
+          </a:xfrm>
+        </p:spPr>
+        <p:txBody>
+          <a:bodyPr vert="horz" lIns="91440" tIns="45720" rIns="91440" bIns="45720" rtlCol="0" anchor="b">
+            <a:normAutofit/>
+          </a:bodyPr>
+          <a:lstStyle/>
+          <a:p>
+            <a:pPr algn="ctr"/>
+            <a:r>
+              <a:rPr lang="en-US" sz="5400" kern="1200" dirty="0">
+                <a:solidFill>
+                  <a:srgbClr val="FFFFFF"/>
+                </a:solidFill>
+                <a:latin typeface="+mj-lt"/>
+                <a:ea typeface="+mj-ea"/>
+                <a:cs typeface="+mj-cs"/>
+              </a:rPr>
+              <a:t>Web Interface (2/2)</a:t>
+            </a:r>
+          </a:p>
+        </p:txBody>
+      </p:sp>
+      <p:cxnSp>
+        <p:nvCxnSpPr>
+          <p:cNvPr id="27" name="Straight Connector 26">
+            <a:extLst>
+              <a:ext uri="{FF2B5EF4-FFF2-40B4-BE49-F238E27FC236}">
+                <a16:creationId xmlns:a16="http://schemas.microsoft.com/office/drawing/2014/main" id="{7E7C77BC-7138-40B1-A15B-20F57A494629}"/>
+              </a:ext>
+              <a:ext uri="{C183D7F6-B498-43B3-948B-1728B52AA6E4}">
+                <adec:decorative xmlns:adec="http://schemas.microsoft.com/office/drawing/2017/decorative" val="1"/>
+              </a:ext>
+            </a:extLst>
+          </p:cNvPr>
+          <p:cNvCxnSpPr>
+            <a:cxnSpLocks noGrp="1" noRot="1" noChangeAspect="1" noMove="1" noResize="1" noEditPoints="1" noAdjustHandles="1" noChangeArrowheads="1" noChangeShapeType="1"/>
+          </p:cNvCxnSpPr>
+          <p:nvPr>
+            <p:extLst>
+              <p:ext uri="{386F3935-93C4-4BCD-93E2-E3B085C9AB24}">
+                <p16:designElem xmlns:p16="http://schemas.microsoft.com/office/powerpoint/2015/main" val="1"/>
+              </p:ext>
+            </p:extLst>
+          </p:nvPr>
+        </p:nvCxnSpPr>
+        <p:spPr>
+          <a:xfrm>
+            <a:off x="2209800" y="1448631"/>
+            <a:ext cx="7772400" cy="0"/>
+          </a:xfrm>
+          <a:prstGeom prst="line">
+            <a:avLst/>
+          </a:prstGeom>
+          <a:ln w="22225">
+            <a:solidFill>
+              <a:srgbClr val="D9D9D9"/>
+            </a:solidFill>
+          </a:ln>
+        </p:spPr>
+        <p:style>
+          <a:lnRef idx="1">
+            <a:schemeClr val="accent1"/>
+          </a:lnRef>
+          <a:fillRef idx="0">
+            <a:schemeClr val="accent1"/>
+          </a:fillRef>
+          <a:effectRef idx="0">
+            <a:schemeClr val="accent1"/>
+          </a:effectRef>
+          <a:fontRef idx="minor">
+            <a:schemeClr val="tx1"/>
+          </a:fontRef>
+        </p:style>
+      </p:cxnSp>
+      <p:pic>
+        <p:nvPicPr>
+          <p:cNvPr id="22" name="Content Placeholder 3">
+            <a:extLst>
+              <a:ext uri="{FF2B5EF4-FFF2-40B4-BE49-F238E27FC236}">
+                <a16:creationId xmlns:a16="http://schemas.microsoft.com/office/drawing/2014/main" id="{9CFBA117-FCF7-4978-8E20-42B63DD96487}"/>
+              </a:ext>
+            </a:extLst>
+          </p:cNvPr>
+          <p:cNvPicPr>
+            <a:picLocks noGrp="1" noChangeAspect="1"/>
+          </p:cNvPicPr>
+          <p:nvPr>
+            <p:ph idx="1"/>
+          </p:nvPr>
+        </p:nvPicPr>
+        <p:blipFill>
+          <a:blip r:embed="rId2"/>
+          <a:stretch>
+            <a:fillRect/>
+          </a:stretch>
+        </p:blipFill>
+        <p:spPr>
+          <a:xfrm>
+            <a:off x="2466974" y="2509911"/>
+            <a:ext cx="7202953" cy="3997637"/>
+          </a:xfrm>
+          <a:prstGeom prst="rect">
+            <a:avLst/>
+          </a:prstGeom>
+        </p:spPr>
+      </p:pic>
+    </p:spTree>
+    <p:extLst>
+      <p:ext uri="{BB962C8B-B14F-4D97-AF65-F5344CB8AC3E}">
+        <p14:creationId xmlns:p14="http://schemas.microsoft.com/office/powerpoint/2010/main" val="2295367739"/>
+      </p:ext>
+    </p:extLst>
+  </p:cSld>
+  <p:clrMapOvr>
+    <a:masterClrMapping/>
+  </p:clrMapOvr>
+</p:sld>
+</file>
+
+<file path=ppt/slides/slide9.xml><?xml version="1.0" encoding="utf-8"?>
+<p:sld xmlns:a="http://schemas.openxmlformats.org/drawingml/2006/main" xmlns:r="http://schemas.openxmlformats.org/officeDocument/2006/relationships" xmlns:p="http://schemas.openxmlformats.org/presentationml/2006/main">
+  <p:cSld>
+    <p:bg>
+      <p:bgPr>
+        <a:solidFill>
+          <a:schemeClr val="bg1">
+            <a:tint val="95000"/>
+            <a:satMod val="170000"/>
+          </a:schemeClr>
+        </a:solidFill>
+        <a:effectLst/>
+      </p:bgPr>
+    </p:bg>
+    <p:spTree>
+      <p:nvGrpSpPr>
+        <p:cNvPr id="1" name=""/>
+        <p:cNvGrpSpPr/>
+        <p:nvPr/>
+      </p:nvGrpSpPr>
+      <p:grpSpPr>
+        <a:xfrm>
+          <a:off x="0" y="0"/>
+          <a:ext cx="0" cy="0"/>
+          <a:chOff x="0" y="0"/>
+          <a:chExt cx="0" cy="0"/>
+        </a:xfrm>
+      </p:grpSpPr>
+      <p:sp>
+        <p:nvSpPr>
+          <p:cNvPr id="15" name="Freeform: Shape 14">
+            <a:extLst>
+              <a:ext uri="{FF2B5EF4-FFF2-40B4-BE49-F238E27FC236}">
+                <a16:creationId xmlns:a16="http://schemas.microsoft.com/office/drawing/2014/main" id="{66B332A4-D438-4773-A77F-5ED49A448D9D}"/>
+              </a:ext>
+              <a:ext uri="{C183D7F6-B498-43B3-948B-1728B52AA6E4}">
+                <adec:decorative xmlns:adec="http://schemas.microsoft.com/office/drawing/2017/decorative" val="1"/>
+              </a:ext>
+            </a:extLst>
+          </p:cNvPr>
+          <p:cNvSpPr>
+            <a:spLocks noGrp="1" noRot="1" noChangeAspect="1" noMove="1" noResize="1" noEditPoints="1" noAdjustHandles="1" noChangeArrowheads="1" noChangeShapeType="1" noTextEdit="1"/>
+          </p:cNvSpPr>
+          <p:nvPr>
+            <p:extLst>
+              <p:ext uri="{386F3935-93C4-4BCD-93E2-E3B085C9AB24}">
+                <p16:designElem xmlns:p16="http://schemas.microsoft.com/office/powerpoint/2015/main" val="1"/>
+              </p:ext>
+            </p:extLst>
+          </p:nvPr>
+        </p:nvSpPr>
+        <p:spPr>
+          <a:xfrm>
+            <a:off x="1953768" y="0"/>
+            <a:ext cx="8284464" cy="6858000"/>
+          </a:xfrm>
+          <a:custGeom>
+            <a:avLst/>
+            <a:gdLst>
+              <a:gd name="connsiteX0" fmla="*/ 1818109 w 8284464"/>
+              <a:gd name="connsiteY0" fmla="*/ 0 h 6858000"/>
+              <a:gd name="connsiteX1" fmla="*/ 6466355 w 8284464"/>
+              <a:gd name="connsiteY1" fmla="*/ 0 h 6858000"/>
+              <a:gd name="connsiteX2" fmla="*/ 6620596 w 8284464"/>
+              <a:gd name="connsiteY2" fmla="*/ 109683 h 6858000"/>
+              <a:gd name="connsiteX3" fmla="*/ 8284464 w 8284464"/>
+              <a:gd name="connsiteY3" fmla="*/ 3429000 h 6858000"/>
+              <a:gd name="connsiteX4" fmla="*/ 6620596 w 8284464"/>
+              <a:gd name="connsiteY4" fmla="*/ 6748318 h 6858000"/>
+              <a:gd name="connsiteX5" fmla="*/ 6466355 w 8284464"/>
+              <a:gd name="connsiteY5" fmla="*/ 6858000 h 6858000"/>
+              <a:gd name="connsiteX6" fmla="*/ 1818109 w 8284464"/>
+              <a:gd name="connsiteY6" fmla="*/ 6858000 h 6858000"/>
+              <a:gd name="connsiteX7" fmla="*/ 1663869 w 8284464"/>
+              <a:gd name="connsiteY7" fmla="*/ 6748318 h 6858000"/>
+              <a:gd name="connsiteX8" fmla="*/ 0 w 8284464"/>
+              <a:gd name="connsiteY8" fmla="*/ 3429000 h 6858000"/>
+              <a:gd name="connsiteX9" fmla="*/ 1663869 w 8284464"/>
+              <a:gd name="connsiteY9" fmla="*/ 109683 h 6858000"/>
+            </a:gdLst>
+            <a:ahLst/>
+            <a:cxnLst>
+              <a:cxn ang="0">
+                <a:pos x="connsiteX0" y="connsiteY0"/>
+              </a:cxn>
+              <a:cxn ang="0">
+                <a:pos x="connsiteX1" y="connsiteY1"/>
+              </a:cxn>
+              <a:cxn ang="0">
+                <a:pos x="connsiteX2" y="connsiteY2"/>
+              </a:cxn>
+              <a:cxn ang="0">
+                <a:pos x="connsiteX3" y="connsiteY3"/>
+              </a:cxn>
+              <a:cxn ang="0">
+                <a:pos x="connsiteX4" y="connsiteY4"/>
+              </a:cxn>
+              <a:cxn ang="0">
+                <a:pos x="connsiteX5" y="connsiteY5"/>
+              </a:cxn>
+              <a:cxn ang="0">
+                <a:pos x="connsiteX6" y="connsiteY6"/>
+              </a:cxn>
+              <a:cxn ang="0">
+                <a:pos x="connsiteX7" y="connsiteY7"/>
+              </a:cxn>
+              <a:cxn ang="0">
+                <a:pos x="connsiteX8" y="connsiteY8"/>
+              </a:cxn>
+              <a:cxn ang="0">
+                <a:pos x="connsiteX9" y="connsiteY9"/>
+              </a:cxn>
+            </a:cxnLst>
+            <a:rect l="l" t="t" r="r" b="b"/>
+            <a:pathLst>
+              <a:path w="8284464" h="6858000">
+                <a:moveTo>
+                  <a:pt x="1818109" y="0"/>
+                </a:moveTo>
+                <a:lnTo>
+                  <a:pt x="6466355" y="0"/>
+                </a:lnTo>
+                <a:lnTo>
+                  <a:pt x="6620596" y="109683"/>
+                </a:lnTo>
+                <a:cubicBezTo>
+                  <a:pt x="7630666" y="865069"/>
+                  <a:pt x="8284464" y="2070683"/>
+                  <a:pt x="8284464" y="3429000"/>
+                </a:cubicBezTo>
+                <a:cubicBezTo>
+                  <a:pt x="8284464" y="4787317"/>
+                  <a:pt x="7630666" y="5992931"/>
+                  <a:pt x="6620596" y="6748318"/>
+                </a:cubicBezTo>
+                <a:lnTo>
+                  <a:pt x="6466355" y="6858000"/>
+                </a:lnTo>
+                <a:lnTo>
+                  <a:pt x="1818109" y="6858000"/>
+                </a:lnTo>
+                <a:lnTo>
+                  <a:pt x="1663869" y="6748318"/>
+                </a:lnTo>
+                <a:cubicBezTo>
+                  <a:pt x="653798" y="5992931"/>
+                  <a:pt x="0" y="4787317"/>
+                  <a:pt x="0" y="3429000"/>
+                </a:cubicBezTo>
+                <a:cubicBezTo>
+                  <a:pt x="0" y="2070683"/>
+                  <a:pt x="653798" y="865069"/>
+                  <a:pt x="1663869" y="109683"/>
+                </a:cubicBezTo>
+                <a:close/>
+              </a:path>
+            </a:pathLst>
+          </a:custGeom>
+          <a:solidFill>
+            <a:srgbClr val="FFFFFF">
+              <a:alpha val="80000"/>
+            </a:srgbClr>
+          </a:solidFill>
+          <a:ln>
+            <a:noFill/>
+          </a:ln>
+        </p:spPr>
+        <p:style>
+          <a:lnRef idx="2">
+            <a:schemeClr val="accent1">
+              <a:shade val="50000"/>
+            </a:schemeClr>
+          </a:lnRef>
+          <a:fillRef idx="1">
+            <a:schemeClr val="accent1"/>
+          </a:fillRef>
+          <a:effectRef idx="0">
+            <a:schemeClr val="accent1"/>
+          </a:effectRef>
+          <a:fontRef idx="minor">
+            <a:schemeClr val="lt1"/>
+          </a:fontRef>
+        </p:style>
+        <p:txBody>
+          <a:bodyPr wrap="square" rtlCol="0" anchor="ctr">
+            <a:noAutofit/>
+          </a:bodyPr>
+          <a:lstStyle/>
+          <a:p>
+            <a:pPr algn="ctr"/>
+            <a:endParaRPr lang="en-US"/>
+          </a:p>
+        </p:txBody>
+      </p:sp>
+      <p:sp>
+        <p:nvSpPr>
+          <p:cNvPr id="17" name="Freeform: Shape 16">
+            <a:extLst>
+              <a:ext uri="{FF2B5EF4-FFF2-40B4-BE49-F238E27FC236}">
+                <a16:creationId xmlns:a16="http://schemas.microsoft.com/office/drawing/2014/main" id="{DF9AD32D-FF05-44F4-BD4D-9CEE89B71EB9}"/>
+              </a:ext>
+              <a:ext uri="{C183D7F6-B498-43B3-948B-1728B52AA6E4}">
+                <adec:decorative xmlns:adec="http://schemas.microsoft.com/office/drawing/2017/decorative" val="1"/>
+              </a:ext>
+            </a:extLst>
+          </p:cNvPr>
+          <p:cNvSpPr>
+            <a:spLocks noGrp="1" noRot="1" noChangeAspect="1" noMove="1" noResize="1" noEditPoints="1" noAdjustHandles="1" noChangeArrowheads="1" noChangeShapeType="1" noTextEdit="1"/>
+          </p:cNvSpPr>
+          <p:nvPr>
+            <p:extLst>
+              <p:ext uri="{386F3935-93C4-4BCD-93E2-E3B085C9AB24}">
+                <p16:designElem xmlns:p16="http://schemas.microsoft.com/office/powerpoint/2015/main" val="1"/>
+              </p:ext>
+            </p:extLst>
+          </p:nvPr>
+        </p:nvSpPr>
+        <p:spPr>
+          <a:xfrm>
+            <a:off x="2118360" y="0"/>
+            <a:ext cx="7955280" cy="6858000"/>
+          </a:xfrm>
+          <a:custGeom>
+            <a:avLst/>
+            <a:gdLst>
+              <a:gd name="connsiteX0" fmla="*/ 1962423 w 7955280"/>
+              <a:gd name="connsiteY0" fmla="*/ 0 h 6858000"/>
+              <a:gd name="connsiteX1" fmla="*/ 5992858 w 7955280"/>
+              <a:gd name="connsiteY1" fmla="*/ 0 h 6858000"/>
+              <a:gd name="connsiteX2" fmla="*/ 6040191 w 7955280"/>
+              <a:gd name="connsiteY2" fmla="*/ 27216 h 6858000"/>
+              <a:gd name="connsiteX3" fmla="*/ 7955280 w 7955280"/>
+              <a:gd name="connsiteY3" fmla="*/ 3429000 h 6858000"/>
+              <a:gd name="connsiteX4" fmla="*/ 6040191 w 7955280"/>
+              <a:gd name="connsiteY4" fmla="*/ 6830784 h 6858000"/>
+              <a:gd name="connsiteX5" fmla="*/ 5992858 w 7955280"/>
+              <a:gd name="connsiteY5" fmla="*/ 6858000 h 6858000"/>
+              <a:gd name="connsiteX6" fmla="*/ 1962423 w 7955280"/>
+              <a:gd name="connsiteY6" fmla="*/ 6858000 h 6858000"/>
+              <a:gd name="connsiteX7" fmla="*/ 1915089 w 7955280"/>
+              <a:gd name="connsiteY7" fmla="*/ 6830784 h 6858000"/>
+              <a:gd name="connsiteX8" fmla="*/ 0 w 7955280"/>
+              <a:gd name="connsiteY8" fmla="*/ 3429000 h 6858000"/>
+              <a:gd name="connsiteX9" fmla="*/ 1915089 w 7955280"/>
+              <a:gd name="connsiteY9" fmla="*/ 27216 h 6858000"/>
+            </a:gdLst>
+            <a:ahLst/>
+            <a:cxnLst>
+              <a:cxn ang="0">
+                <a:pos x="connsiteX0" y="connsiteY0"/>
+              </a:cxn>
+              <a:cxn ang="0">
+                <a:pos x="connsiteX1" y="connsiteY1"/>
+              </a:cxn>
+              <a:cxn ang="0">
+                <a:pos x="connsiteX2" y="connsiteY2"/>
+              </a:cxn>
+              <a:cxn ang="0">
+                <a:pos x="connsiteX3" y="connsiteY3"/>
+              </a:cxn>
+              <a:cxn ang="0">
+                <a:pos x="connsiteX4" y="connsiteY4"/>
+              </a:cxn>
+              <a:cxn ang="0">
+                <a:pos x="connsiteX5" y="connsiteY5"/>
+              </a:cxn>
+              <a:cxn ang="0">
+                <a:pos x="connsiteX6" y="connsiteY6"/>
+              </a:cxn>
+              <a:cxn ang="0">
+                <a:pos x="connsiteX7" y="connsiteY7"/>
+              </a:cxn>
+              <a:cxn ang="0">
+                <a:pos x="connsiteX8" y="connsiteY8"/>
+              </a:cxn>
+              <a:cxn ang="0">
+                <a:pos x="connsiteX9" y="connsiteY9"/>
+              </a:cxn>
+            </a:cxnLst>
+            <a:rect l="l" t="t" r="r" b="b"/>
+            <a:pathLst>
+              <a:path w="7955280" h="6858000">
+                <a:moveTo>
+                  <a:pt x="1962423" y="0"/>
+                </a:moveTo>
+                <a:lnTo>
+                  <a:pt x="5992858" y="0"/>
+                </a:lnTo>
+                <a:lnTo>
+                  <a:pt x="6040191" y="27216"/>
+                </a:lnTo>
+                <a:cubicBezTo>
+                  <a:pt x="7188332" y="724844"/>
+                  <a:pt x="7955280" y="1987357"/>
+                  <a:pt x="7955280" y="3429000"/>
+                </a:cubicBezTo>
+                <a:cubicBezTo>
+                  <a:pt x="7955280" y="4870644"/>
+                  <a:pt x="7188332" y="6133157"/>
+                  <a:pt x="6040191" y="6830784"/>
+                </a:cubicBezTo>
+                <a:lnTo>
+                  <a:pt x="5992858" y="6858000"/>
+                </a:lnTo>
+                <a:lnTo>
+                  <a:pt x="1962423" y="6858000"/>
+                </a:lnTo>
+                <a:lnTo>
+                  <a:pt x="1915089" y="6830784"/>
+                </a:lnTo>
+                <a:cubicBezTo>
+                  <a:pt x="766948" y="6133157"/>
+                  <a:pt x="0" y="4870644"/>
+                  <a:pt x="0" y="3429000"/>
+                </a:cubicBezTo>
+                <a:cubicBezTo>
+                  <a:pt x="0" y="1987357"/>
+                  <a:pt x="766948" y="724844"/>
+                  <a:pt x="1915089" y="27216"/>
+                </a:cubicBezTo>
+                <a:close/>
+              </a:path>
+            </a:pathLst>
+          </a:custGeom>
+          <a:solidFill>
+            <a:schemeClr val="tx1"/>
+          </a:solidFill>
+          <a:ln>
+            <a:noFill/>
+          </a:ln>
+        </p:spPr>
+        <p:style>
+          <a:lnRef idx="2">
+            <a:schemeClr val="accent1">
+              <a:shade val="50000"/>
+            </a:schemeClr>
+          </a:lnRef>
+          <a:fillRef idx="1">
+            <a:schemeClr val="accent1"/>
+          </a:fillRef>
+          <a:effectRef idx="0">
+            <a:schemeClr val="accent1"/>
+          </a:effectRef>
+          <a:fontRef idx="minor">
+            <a:schemeClr val="lt1"/>
+          </a:fontRef>
+        </p:style>
+        <p:txBody>
+          <a:bodyPr wrap="square" rtlCol="0" anchor="ctr">
+            <a:noAutofit/>
+          </a:bodyPr>
+          <a:lstStyle/>
+          <a:p>
+            <a:pPr algn="ctr"/>
+            <a:endParaRPr lang="en-US"/>
+          </a:p>
+        </p:txBody>
+      </p:sp>
+      <p:sp>
+        <p:nvSpPr>
+          <p:cNvPr id="2" name="Title 1">
+            <a:extLst>
+              <a:ext uri="{FF2B5EF4-FFF2-40B4-BE49-F238E27FC236}">
+                <a16:creationId xmlns:a16="http://schemas.microsoft.com/office/drawing/2014/main" id="{83BAD83F-8C52-4787-B1E4-2F75ABC734B7}"/>
+              </a:ext>
+            </a:extLst>
+          </p:cNvPr>
+          <p:cNvSpPr>
+            <a:spLocks noGrp="1"/>
+          </p:cNvSpPr>
+          <p:nvPr>
+            <p:ph type="title"/>
+          </p:nvPr>
+        </p:nvSpPr>
+        <p:spPr>
+          <a:xfrm>
+            <a:off x="2555631" y="1441938"/>
+            <a:ext cx="7080738" cy="3974124"/>
+          </a:xfrm>
+        </p:spPr>
+        <p:txBody>
+          <a:bodyPr vert="horz" lIns="91440" tIns="45720" rIns="91440" bIns="45720" rtlCol="0" anchor="ctr">
+            <a:normAutofit/>
+          </a:bodyPr>
+          <a:lstStyle/>
+          <a:p>
+            <a:pPr algn="ctr"/>
+            <a:r>
+              <a:rPr lang="en-US" sz="5400">
+                <a:solidFill>
+                  <a:schemeClr val="bg1">
+                    <a:lumMod val="95000"/>
+                    <a:lumOff val="5000"/>
+                  </a:schemeClr>
+                </a:solidFill>
+              </a:rPr>
+              <a:t>Questions???</a:t>
+            </a:r>
+          </a:p>
+        </p:txBody>
+      </p:sp>
+    </p:spTree>
+    <p:extLst>
+      <p:ext uri="{BB962C8B-B14F-4D97-AF65-F5344CB8AC3E}">
+        <p14:creationId xmlns:p14="http://schemas.microsoft.com/office/powerpoint/2010/main" val="1898679787"/>
+      </p:ext>
+    </p:extLst>
+  </p:cSld>
+  <p:clrMapOvr>
+    <a:overrideClrMapping bg1="dk1" tx1="lt1" bg2="dk2" tx2="lt2" accent1="accent1" accent2="accent2" accent3="accent3" accent4="accent4" accent5="accent5" accent6="accent6" hlink="hlink" folHlink="folHlink"/>
   </p:clrMapOvr>
 </p:sld>
 </file>
